--- a/VPN/VPN.pptx
+++ b/VPN/VPN.pptx
@@ -5,19 +5,20 @@
     <p:sldMasterId id="2147483649" r:id="rId1"/>
   </p:sldMasterIdLst>
   <p:notesMasterIdLst>
-    <p:notesMasterId r:id="rId9"/>
+    <p:notesMasterId r:id="rId10"/>
   </p:notesMasterIdLst>
   <p:handoutMasterIdLst>
-    <p:handoutMasterId r:id="rId10"/>
+    <p:handoutMasterId r:id="rId11"/>
   </p:handoutMasterIdLst>
   <p:sldIdLst>
     <p:sldId id="257" r:id="rId2"/>
     <p:sldId id="258" r:id="rId3"/>
     <p:sldId id="265" r:id="rId4"/>
-    <p:sldId id="261" r:id="rId5"/>
-    <p:sldId id="268" r:id="rId6"/>
-    <p:sldId id="266" r:id="rId7"/>
-    <p:sldId id="267" r:id="rId8"/>
+    <p:sldId id="269" r:id="rId5"/>
+    <p:sldId id="261" r:id="rId6"/>
+    <p:sldId id="268" r:id="rId7"/>
+    <p:sldId id="266" r:id="rId8"/>
+    <p:sldId id="267" r:id="rId9"/>
   </p:sldIdLst>
   <p:sldSz cx="9144000" cy="6858000" type="screen4x3"/>
   <p:notesSz cx="6797675" cy="9926638"/>
@@ -161,8 +162,15 @@
         </p15:guide>
       </p15:sldGuideLst>
     </p:ext>
+    <p:ext uri="{2D200454-40CA-4A62-9FC3-DE9A4176ACB9}">
+      <p15:notesGuideLst xmlns:p15="http://schemas.microsoft.com/office/powerpoint/2012/main"/>
+    </p:ext>
   </p:extLst>
 </p:presentation>
+</file>
+
+<file path=ppt/revisionInfo.xml><?xml version="1.0" encoding="utf-8"?>
+<p1510:revInfo xmlns:a="http://schemas.openxmlformats.org/drawingml/2006/main" xmlns:r="http://schemas.openxmlformats.org/officeDocument/2006/relationships" xmlns:p1510="http://schemas.microsoft.com/office/powerpoint/2015/10/main"/>
 </file>
 
 <file path=ppt/handoutMasters/handoutMaster1.xml><?xml version="1.0" encoding="utf-8"?>
@@ -277,7 +285,7 @@
               <a:pPr>
                 <a:defRPr/>
               </a:pPr>
-              <a:t>16.12.2017</a:t>
+              <a:t>17.12.2017</a:t>
             </a:fld>
             <a:endParaRPr lang="pl-PL"/>
           </a:p>
@@ -490,7 +498,7 @@
               <a:pPr>
                 <a:defRPr/>
               </a:pPr>
-              <a:t>16.12.2017</a:t>
+              <a:t>17.12.2017</a:t>
             </a:fld>
             <a:endParaRPr lang="pl-PL"/>
           </a:p>
@@ -816,6 +824,91 @@
     </a:lvl9pPr>
   </p:notesStyle>
 </p:notesMaster>
+</file>
+
+<file path=ppt/notesSlides/notesSlide1.xml><?xml version="1.0" encoding="utf-8"?>
+<p:notes xmlns:a="http://schemas.openxmlformats.org/drawingml/2006/main" xmlns:r="http://schemas.openxmlformats.org/officeDocument/2006/relationships" xmlns:p="http://schemas.openxmlformats.org/presentationml/2006/main">
+  <p:cSld>
+    <p:spTree>
+      <p:nvGrpSpPr>
+        <p:cNvPr id="1" name=""/>
+        <p:cNvGrpSpPr/>
+        <p:nvPr/>
+      </p:nvGrpSpPr>
+      <p:grpSpPr>
+        <a:xfrm>
+          <a:off x="0" y="0"/>
+          <a:ext cx="0" cy="0"/>
+          <a:chOff x="0" y="0"/>
+          <a:chExt cx="0" cy="0"/>
+        </a:xfrm>
+      </p:grpSpPr>
+      <p:sp>
+        <p:nvSpPr>
+          <p:cNvPr id="2" name="Symbol zastępczy obrazu slajdu 1"/>
+          <p:cNvSpPr>
+            <a:spLocks noGrp="1" noRot="1" noChangeAspect="1"/>
+          </p:cNvSpPr>
+          <p:nvPr>
+            <p:ph type="sldImg"/>
+          </p:nvPr>
+        </p:nvSpPr>
+        <p:spPr/>
+      </p:sp>
+      <p:sp>
+        <p:nvSpPr>
+          <p:cNvPr id="3" name="Symbol zastępczy notatek 2"/>
+          <p:cNvSpPr>
+            <a:spLocks noGrp="1"/>
+          </p:cNvSpPr>
+          <p:nvPr>
+            <p:ph type="body" idx="1"/>
+          </p:nvPr>
+        </p:nvSpPr>
+        <p:spPr/>
+        <p:txBody>
+          <a:bodyPr/>
+          <a:lstStyle/>
+          <a:p>
+            <a:endParaRPr lang="pl-PL" dirty="0"/>
+          </a:p>
+        </p:txBody>
+      </p:sp>
+      <p:sp>
+        <p:nvSpPr>
+          <p:cNvPr id="4" name="Symbol zastępczy numeru slajdu 3"/>
+          <p:cNvSpPr>
+            <a:spLocks noGrp="1"/>
+          </p:cNvSpPr>
+          <p:nvPr>
+            <p:ph type="sldNum" sz="quarter" idx="10"/>
+          </p:nvPr>
+        </p:nvSpPr>
+        <p:spPr/>
+        <p:txBody>
+          <a:bodyPr/>
+          <a:lstStyle/>
+          <a:p>
+            <a:fld id="{6D47C297-1D60-41F4-9917-76E0A87C7FA4}" type="slidenum">
+              <a:rPr lang="pl-PL" altLang="pl-PL" smtClean="0"/>
+              <a:pPr/>
+              <a:t>3</a:t>
+            </a:fld>
+            <a:endParaRPr lang="pl-PL" altLang="pl-PL"/>
+          </a:p>
+        </p:txBody>
+      </p:sp>
+    </p:spTree>
+    <p:extLst>
+      <p:ext uri="{BB962C8B-B14F-4D97-AF65-F5344CB8AC3E}">
+        <p14:creationId xmlns:p14="http://schemas.microsoft.com/office/powerpoint/2010/main" val="1251679356"/>
+      </p:ext>
+    </p:extLst>
+  </p:cSld>
+  <p:clrMapOvr>
+    <a:masterClrMapping/>
+  </p:clrMapOvr>
+</p:notes>
 </file>
 
 <file path=ppt/slideLayouts/slideLayout1.xml><?xml version="1.0" encoding="utf-8"?>
@@ -6423,7 +6516,7 @@
         <p:spPr>
           <a:xfrm>
             <a:off x="1781596" y="115888"/>
-            <a:ext cx="4680520" cy="1778793"/>
+            <a:ext cx="4680520" cy="1584921"/>
           </a:xfrm>
         </p:spPr>
         <p:txBody>
@@ -6763,12 +6856,6 @@
             <a:pPr marL="0" indent="0">
               <a:buNone/>
             </a:pPr>
-            <a:r>
-              <a:rPr lang="pl-PL" altLang="pl-PL" dirty="0"/>
-              <a:t>To się trzeba zastanowić</a:t>
-            </a:r>
-          </a:p>
-          <a:p>
             <a:endParaRPr lang="pl-PL" altLang="pl-PL" dirty="0"/>
           </a:p>
         </p:txBody>
@@ -6836,6 +6923,42 @@
           </a:p>
         </p:txBody>
       </p:sp>
+      <p:pic>
+        <p:nvPicPr>
+          <p:cNvPr id="5" name="Obraz 4" descr="Obraz zawierający niebo, ściana, wewnątrz&#10;&#10;Opis wygenerowany przy wysokim poziomie pewności">
+            <a:extLst>
+              <a:ext uri="{FF2B5EF4-FFF2-40B4-BE49-F238E27FC236}">
+                <a16:creationId xmlns:a16="http://schemas.microsoft.com/office/drawing/2014/main" id="{DE17C908-539D-4293-901C-BADA03612BCB}"/>
+              </a:ext>
+            </a:extLst>
+          </p:cNvPr>
+          <p:cNvPicPr>
+            <a:picLocks noChangeAspect="1"/>
+          </p:cNvPicPr>
+          <p:nvPr/>
+        </p:nvPicPr>
+        <p:blipFill>
+          <a:blip r:embed="rId3">
+            <a:extLst>
+              <a:ext uri="{28A0092B-C50C-407E-A947-70E740481C1C}">
+                <a14:useLocalDpi xmlns:a14="http://schemas.microsoft.com/office/drawing/2010/main" val="0"/>
+              </a:ext>
+            </a:extLst>
+          </a:blip>
+          <a:stretch>
+            <a:fillRect/>
+          </a:stretch>
+        </p:blipFill>
+        <p:spPr>
+          <a:xfrm>
+            <a:off x="582001" y="1989138"/>
+            <a:ext cx="8632460" cy="4316230"/>
+          </a:xfrm>
+          <a:prstGeom prst="rect">
+            <a:avLst/>
+          </a:prstGeom>
+        </p:spPr>
+      </p:pic>
     </p:spTree>
     <p:extLst>
       <p:ext uri="{BB962C8B-B14F-4D97-AF65-F5344CB8AC3E}">
@@ -6853,6 +6976,117 @@
 </file>
 
 <file path=ppt/slides/slide4.xml><?xml version="1.0" encoding="utf-8"?>
+<p:sld xmlns:a="http://schemas.openxmlformats.org/drawingml/2006/main" xmlns:r="http://schemas.openxmlformats.org/officeDocument/2006/relationships" xmlns:p="http://schemas.openxmlformats.org/presentationml/2006/main">
+  <p:cSld>
+    <p:spTree>
+      <p:nvGrpSpPr>
+        <p:cNvPr id="1" name=""/>
+        <p:cNvGrpSpPr/>
+        <p:nvPr/>
+      </p:nvGrpSpPr>
+      <p:grpSpPr>
+        <a:xfrm>
+          <a:off x="0" y="0"/>
+          <a:ext cx="0" cy="0"/>
+          <a:chOff x="0" y="0"/>
+          <a:chExt cx="0" cy="0"/>
+        </a:xfrm>
+      </p:grpSpPr>
+      <p:sp>
+        <p:nvSpPr>
+          <p:cNvPr id="7" name="Symbol zastępczy zawartości 6">
+            <a:extLst>
+              <a:ext uri="{FF2B5EF4-FFF2-40B4-BE49-F238E27FC236}">
+                <a16:creationId xmlns:a16="http://schemas.microsoft.com/office/drawing/2014/main" id="{4FA13056-4D4D-4BC7-AB02-9DFEE0B57F5E}"/>
+              </a:ext>
+            </a:extLst>
+          </p:cNvPr>
+          <p:cNvSpPr>
+            <a:spLocks noGrp="1"/>
+          </p:cNvSpPr>
+          <p:nvPr>
+            <p:ph sz="half" idx="1"/>
+          </p:nvPr>
+        </p:nvSpPr>
+        <p:spPr/>
+        <p:txBody>
+          <a:bodyPr/>
+          <a:lstStyle/>
+          <a:p>
+            <a:endParaRPr lang="pl-PL" dirty="0"/>
+          </a:p>
+        </p:txBody>
+      </p:sp>
+      <p:sp>
+        <p:nvSpPr>
+          <p:cNvPr id="8" name="Symbol zastępczy tekstu 7">
+            <a:extLst>
+              <a:ext uri="{FF2B5EF4-FFF2-40B4-BE49-F238E27FC236}">
+                <a16:creationId xmlns:a16="http://schemas.microsoft.com/office/drawing/2014/main" id="{106110D6-4612-4158-8DC9-E95DAF1E1DB7}"/>
+              </a:ext>
+            </a:extLst>
+          </p:cNvPr>
+          <p:cNvSpPr>
+            <a:spLocks noGrp="1"/>
+          </p:cNvSpPr>
+          <p:nvPr>
+            <p:ph type="body" idx="10"/>
+          </p:nvPr>
+        </p:nvSpPr>
+        <p:spPr/>
+        <p:txBody>
+          <a:bodyPr/>
+          <a:lstStyle/>
+          <a:p>
+            <a:endParaRPr lang="pl-PL"/>
+          </a:p>
+        </p:txBody>
+      </p:sp>
+      <p:sp>
+        <p:nvSpPr>
+          <p:cNvPr id="9" name="Symbol zastępczy tekstu 8">
+            <a:extLst>
+              <a:ext uri="{FF2B5EF4-FFF2-40B4-BE49-F238E27FC236}">
+                <a16:creationId xmlns:a16="http://schemas.microsoft.com/office/drawing/2014/main" id="{E4871CEF-DB2D-409F-B926-D34161EB30CE}"/>
+              </a:ext>
+            </a:extLst>
+          </p:cNvPr>
+          <p:cNvSpPr>
+            <a:spLocks noGrp="1"/>
+          </p:cNvSpPr>
+          <p:nvPr>
+            <p:ph type="body" idx="11"/>
+          </p:nvPr>
+        </p:nvSpPr>
+        <p:spPr/>
+        <p:txBody>
+          <a:bodyPr/>
+          <a:lstStyle/>
+          <a:p>
+            <a:r>
+              <a:rPr lang="pl-PL" dirty="0"/>
+              <a:t>Jak to działa</a:t>
+            </a:r>
+          </a:p>
+        </p:txBody>
+      </p:sp>
+    </p:spTree>
+    <p:extLst>
+      <p:ext uri="{BB962C8B-B14F-4D97-AF65-F5344CB8AC3E}">
+        <p14:creationId xmlns:p14="http://schemas.microsoft.com/office/powerpoint/2010/main" val="1378096283"/>
+      </p:ext>
+    </p:extLst>
+  </p:cSld>
+  <p:clrMapOvr>
+    <a:masterClrMapping/>
+  </p:clrMapOvr>
+  <p:transition>
+    <p:randomBar/>
+  </p:transition>
+</p:sld>
+</file>
+
+<file path=ppt/slides/slide5.xml><?xml version="1.0" encoding="utf-8"?>
 <p:sld xmlns:a="http://schemas.openxmlformats.org/drawingml/2006/main" xmlns:r="http://schemas.openxmlformats.org/officeDocument/2006/relationships" xmlns:p="http://schemas.openxmlformats.org/presentationml/2006/main">
   <p:cSld>
     <p:spTree>
@@ -6983,7 +7217,7 @@
 </p:sld>
 </file>
 
-<file path=ppt/slides/slide5.xml><?xml version="1.0" encoding="utf-8"?>
+<file path=ppt/slides/slide6.xml><?xml version="1.0" encoding="utf-8"?>
 <p:sld xmlns:a="http://schemas.openxmlformats.org/drawingml/2006/main" xmlns:r="http://schemas.openxmlformats.org/officeDocument/2006/relationships" xmlns:p="http://schemas.openxmlformats.org/presentationml/2006/main">
   <p:cSld>
     <p:spTree>
@@ -7362,7 +7596,7 @@
 </p:sld>
 </file>
 
-<file path=ppt/slides/slide6.xml><?xml version="1.0" encoding="utf-8"?>
+<file path=ppt/slides/slide7.xml><?xml version="1.0" encoding="utf-8"?>
 <p:sld xmlns:a="http://schemas.openxmlformats.org/drawingml/2006/main" xmlns:r="http://schemas.openxmlformats.org/officeDocument/2006/relationships" xmlns:p="http://schemas.openxmlformats.org/presentationml/2006/main">
   <p:cSld>
     <p:spTree>
@@ -7488,7 +7722,7 @@
 </p:sld>
 </file>
 
-<file path=ppt/slides/slide7.xml><?xml version="1.0" encoding="utf-8"?>
+<file path=ppt/slides/slide8.xml><?xml version="1.0" encoding="utf-8"?>
 <p:sld xmlns:a="http://schemas.openxmlformats.org/drawingml/2006/main" xmlns:r="http://schemas.openxmlformats.org/officeDocument/2006/relationships" xmlns:p="http://schemas.openxmlformats.org/presentationml/2006/main">
   <p:cSld>
     <p:spTree>

--- a/VPN/VPN.pptx
+++ b/VPN/VPN.pptx
@@ -5,20 +5,22 @@
     <p:sldMasterId id="2147483649" r:id="rId1"/>
   </p:sldMasterIdLst>
   <p:notesMasterIdLst>
-    <p:notesMasterId r:id="rId10"/>
+    <p:notesMasterId r:id="rId12"/>
   </p:notesMasterIdLst>
   <p:handoutMasterIdLst>
-    <p:handoutMasterId r:id="rId11"/>
+    <p:handoutMasterId r:id="rId13"/>
   </p:handoutMasterIdLst>
   <p:sldIdLst>
     <p:sldId id="257" r:id="rId2"/>
     <p:sldId id="258" r:id="rId3"/>
     <p:sldId id="265" r:id="rId4"/>
     <p:sldId id="269" r:id="rId5"/>
-    <p:sldId id="261" r:id="rId6"/>
-    <p:sldId id="268" r:id="rId7"/>
-    <p:sldId id="266" r:id="rId8"/>
-    <p:sldId id="267" r:id="rId9"/>
+    <p:sldId id="270" r:id="rId6"/>
+    <p:sldId id="271" r:id="rId7"/>
+    <p:sldId id="261" r:id="rId8"/>
+    <p:sldId id="268" r:id="rId9"/>
+    <p:sldId id="266" r:id="rId10"/>
+    <p:sldId id="267" r:id="rId11"/>
   </p:sldIdLst>
   <p:sldSz cx="9144000" cy="6858000" type="screen4x3"/>
   <p:notesSz cx="6797675" cy="9926638"/>
@@ -3174,8 +3176,8 @@
         </p:nvSpPr>
         <p:spPr>
           <a:xfrm>
-            <a:off x="755575" y="116632"/>
-            <a:ext cx="8262475" cy="864096"/>
+            <a:off x="899592" y="116632"/>
+            <a:ext cx="8118458" cy="864096"/>
           </a:xfrm>
         </p:spPr>
         <p:txBody>
@@ -3239,7 +3241,7 @@
           <a:p>
             <a:pPr lvl="0"/>
             <a:r>
-              <a:rPr lang="pl-PL"/>
+              <a:rPr lang="pl-PL" dirty="0"/>
               <a:t>Edytuj style wzorca tekstu</a:t>
             </a:r>
           </a:p>
@@ -6638,6 +6640,134 @@
 </p:sld>
 </file>
 
+<file path=ppt/slides/slide10.xml><?xml version="1.0" encoding="utf-8"?>
+<p:sld xmlns:a="http://schemas.openxmlformats.org/drawingml/2006/main" xmlns:r="http://schemas.openxmlformats.org/officeDocument/2006/relationships" xmlns:p="http://schemas.openxmlformats.org/presentationml/2006/main">
+  <p:cSld>
+    <p:spTree>
+      <p:nvGrpSpPr>
+        <p:cNvPr id="1" name=""/>
+        <p:cNvGrpSpPr/>
+        <p:nvPr/>
+      </p:nvGrpSpPr>
+      <p:grpSpPr>
+        <a:xfrm>
+          <a:off x="0" y="0"/>
+          <a:ext cx="0" cy="0"/>
+          <a:chOff x="0" y="0"/>
+          <a:chExt cx="0" cy="0"/>
+        </a:xfrm>
+      </p:grpSpPr>
+      <p:sp>
+        <p:nvSpPr>
+          <p:cNvPr id="2" name="Symbol zastępczy zawartości 1">
+            <a:extLst>
+              <a:ext uri="{FF2B5EF4-FFF2-40B4-BE49-F238E27FC236}">
+                <a16:creationId xmlns:a16="http://schemas.microsoft.com/office/drawing/2014/main" id="{37EB9372-BA2A-4E2E-B598-2E6DF9F18BC1}"/>
+              </a:ext>
+            </a:extLst>
+          </p:cNvPr>
+          <p:cNvSpPr>
+            <a:spLocks noGrp="1"/>
+          </p:cNvSpPr>
+          <p:nvPr>
+            <p:ph sz="half" idx="1"/>
+          </p:nvPr>
+        </p:nvSpPr>
+        <p:spPr>
+          <a:xfrm>
+            <a:off x="631716" y="2420888"/>
+            <a:ext cx="8532439" cy="1440160"/>
+          </a:xfrm>
+        </p:spPr>
+        <p:txBody>
+          <a:bodyPr/>
+          <a:lstStyle/>
+          <a:p>
+            <a:pPr marL="0" indent="0" algn="ctr">
+              <a:buNone/>
+            </a:pPr>
+            <a:r>
+              <a:rPr lang="pl-PL" sz="4800" dirty="0"/>
+              <a:t>Dziękujemy za uwagę </a:t>
+            </a:r>
+          </a:p>
+          <a:p>
+            <a:pPr marL="0" indent="0" algn="ctr">
+              <a:buNone/>
+            </a:pPr>
+            <a:r>
+              <a:rPr lang="pl-PL" sz="4800" dirty="0"/>
+              <a:t>i zapraszamy do zadawania pytań</a:t>
+            </a:r>
+          </a:p>
+        </p:txBody>
+      </p:sp>
+      <p:sp>
+        <p:nvSpPr>
+          <p:cNvPr id="3" name="Symbol zastępczy tekstu 2">
+            <a:extLst>
+              <a:ext uri="{FF2B5EF4-FFF2-40B4-BE49-F238E27FC236}">
+                <a16:creationId xmlns:a16="http://schemas.microsoft.com/office/drawing/2014/main" id="{6548A1F2-12F3-4341-B774-D4A030E3E006}"/>
+              </a:ext>
+            </a:extLst>
+          </p:cNvPr>
+          <p:cNvSpPr>
+            <a:spLocks noGrp="1"/>
+          </p:cNvSpPr>
+          <p:nvPr>
+            <p:ph type="body" idx="10"/>
+          </p:nvPr>
+        </p:nvSpPr>
+        <p:spPr/>
+        <p:txBody>
+          <a:bodyPr/>
+          <a:lstStyle/>
+          <a:p>
+            <a:endParaRPr lang="pl-PL"/>
+          </a:p>
+        </p:txBody>
+      </p:sp>
+      <p:sp>
+        <p:nvSpPr>
+          <p:cNvPr id="4" name="Symbol zastępczy tekstu 3">
+            <a:extLst>
+              <a:ext uri="{FF2B5EF4-FFF2-40B4-BE49-F238E27FC236}">
+                <a16:creationId xmlns:a16="http://schemas.microsoft.com/office/drawing/2014/main" id="{402B35CF-3790-40C8-836E-14FB1A4D66D8}"/>
+              </a:ext>
+            </a:extLst>
+          </p:cNvPr>
+          <p:cNvSpPr>
+            <a:spLocks noGrp="1"/>
+          </p:cNvSpPr>
+          <p:nvPr>
+            <p:ph type="body" idx="11"/>
+          </p:nvPr>
+        </p:nvSpPr>
+        <p:spPr/>
+        <p:txBody>
+          <a:bodyPr/>
+          <a:lstStyle/>
+          <a:p>
+            <a:endParaRPr lang="pl-PL" dirty="0"/>
+          </a:p>
+        </p:txBody>
+      </p:sp>
+    </p:spTree>
+    <p:extLst>
+      <p:ext uri="{BB962C8B-B14F-4D97-AF65-F5344CB8AC3E}">
+        <p14:creationId xmlns:p14="http://schemas.microsoft.com/office/powerpoint/2010/main" val="1109285966"/>
+      </p:ext>
+    </p:extLst>
+  </p:cSld>
+  <p:clrMapOvr>
+    <a:masterClrMapping/>
+  </p:clrMapOvr>
+  <p:transition>
+    <p:randomBar/>
+  </p:transition>
+</p:sld>
+</file>
+
 <file path=ppt/slides/slide2.xml><?xml version="1.0" encoding="utf-8"?>
 <p:sld xmlns:a="http://schemas.openxmlformats.org/drawingml/2006/main" xmlns:r="http://schemas.openxmlformats.org/officeDocument/2006/relationships" xmlns:p="http://schemas.openxmlformats.org/presentationml/2006/main">
   <p:cSld>
@@ -6690,12 +6820,6 @@
             <a:r>
               <a:rPr lang="pl-PL" altLang="pl-PL" dirty="0"/>
               <a:t>Jak to działa</a:t>
-            </a:r>
-          </a:p>
-          <a:p>
-            <a:r>
-              <a:rPr lang="pl-PL" altLang="pl-PL" dirty="0"/>
-              <a:t>Dlaczego potrzebujemy VPN</a:t>
             </a:r>
           </a:p>
           <a:p>
@@ -6994,31 +7118,6 @@
       </p:grpSpPr>
       <p:sp>
         <p:nvSpPr>
-          <p:cNvPr id="7" name="Symbol zastępczy zawartości 6">
-            <a:extLst>
-              <a:ext uri="{FF2B5EF4-FFF2-40B4-BE49-F238E27FC236}">
-                <a16:creationId xmlns:a16="http://schemas.microsoft.com/office/drawing/2014/main" id="{4FA13056-4D4D-4BC7-AB02-9DFEE0B57F5E}"/>
-              </a:ext>
-            </a:extLst>
-          </p:cNvPr>
-          <p:cNvSpPr>
-            <a:spLocks noGrp="1"/>
-          </p:cNvSpPr>
-          <p:nvPr>
-            <p:ph sz="half" idx="1"/>
-          </p:nvPr>
-        </p:nvSpPr>
-        <p:spPr/>
-        <p:txBody>
-          <a:bodyPr/>
-          <a:lstStyle/>
-          <a:p>
-            <a:endParaRPr lang="pl-PL" dirty="0"/>
-          </a:p>
-        </p:txBody>
-      </p:sp>
-      <p:sp>
-        <p:nvSpPr>
           <p:cNvPr id="8" name="Symbol zastępczy tekstu 7">
             <a:extLst>
               <a:ext uri="{FF2B5EF4-FFF2-40B4-BE49-F238E27FC236}">
@@ -7065,11 +7164,54 @@
           <a:p>
             <a:r>
               <a:rPr lang="pl-PL" dirty="0"/>
-              <a:t>Jak to działa</a:t>
+              <a:t>Jak to działa – </a:t>
+            </a:r>
+            <a:r>
+              <a:rPr lang="pl-PL" dirty="0" err="1"/>
+              <a:t>remote-access</a:t>
+            </a:r>
+            <a:r>
+              <a:rPr lang="pl-PL" dirty="0"/>
+              <a:t> VPN</a:t>
             </a:r>
           </a:p>
         </p:txBody>
       </p:sp>
+      <p:pic>
+        <p:nvPicPr>
+          <p:cNvPr id="30" name="Symbol zastępczy zawartości 29">
+            <a:extLst>
+              <a:ext uri="{FF2B5EF4-FFF2-40B4-BE49-F238E27FC236}">
+                <a16:creationId xmlns:a16="http://schemas.microsoft.com/office/drawing/2014/main" id="{48FF5112-B895-4F10-ACD1-E7454DC2A065}"/>
+              </a:ext>
+            </a:extLst>
+          </p:cNvPr>
+          <p:cNvPicPr>
+            <a:picLocks noGrp="1" noChangeAspect="1"/>
+          </p:cNvPicPr>
+          <p:nvPr>
+            <p:ph sz="half" idx="1"/>
+          </p:nvPr>
+        </p:nvPicPr>
+        <p:blipFill>
+          <a:blip r:embed="rId2">
+            <a:extLst>
+              <a:ext uri="{28A0092B-C50C-407E-A947-70E740481C1C}">
+                <a14:useLocalDpi xmlns:a14="http://schemas.microsoft.com/office/drawing/2010/main" val="0"/>
+              </a:ext>
+            </a:extLst>
+          </a:blip>
+          <a:stretch>
+            <a:fillRect/>
+          </a:stretch>
+        </p:blipFill>
+        <p:spPr>
+          <a:xfrm>
+            <a:off x="770366" y="2204864"/>
+            <a:ext cx="8262938" cy="3014376"/>
+          </a:xfrm>
+        </p:spPr>
+      </p:pic>
     </p:spTree>
     <p:extLst>
       <p:ext uri="{BB962C8B-B14F-4D97-AF65-F5344CB8AC3E}">
@@ -7087,6 +7229,504 @@
 </file>
 
 <file path=ppt/slides/slide5.xml><?xml version="1.0" encoding="utf-8"?>
+<p:sld xmlns:a="http://schemas.openxmlformats.org/drawingml/2006/main" xmlns:r="http://schemas.openxmlformats.org/officeDocument/2006/relationships" xmlns:p="http://schemas.openxmlformats.org/presentationml/2006/main">
+  <p:cSld>
+    <p:spTree>
+      <p:nvGrpSpPr>
+        <p:cNvPr id="1" name=""/>
+        <p:cNvGrpSpPr/>
+        <p:nvPr/>
+      </p:nvGrpSpPr>
+      <p:grpSpPr>
+        <a:xfrm>
+          <a:off x="0" y="0"/>
+          <a:ext cx="0" cy="0"/>
+          <a:chOff x="0" y="0"/>
+          <a:chExt cx="0" cy="0"/>
+        </a:xfrm>
+      </p:grpSpPr>
+      <p:sp>
+        <p:nvSpPr>
+          <p:cNvPr id="8" name="Symbol zastępczy tekstu 7">
+            <a:extLst>
+              <a:ext uri="{FF2B5EF4-FFF2-40B4-BE49-F238E27FC236}">
+                <a16:creationId xmlns:a16="http://schemas.microsoft.com/office/drawing/2014/main" id="{106110D6-4612-4158-8DC9-E95DAF1E1DB7}"/>
+              </a:ext>
+            </a:extLst>
+          </p:cNvPr>
+          <p:cNvSpPr>
+            <a:spLocks noGrp="1"/>
+          </p:cNvSpPr>
+          <p:nvPr>
+            <p:ph type="body" idx="10"/>
+          </p:nvPr>
+        </p:nvSpPr>
+        <p:spPr/>
+        <p:txBody>
+          <a:bodyPr/>
+          <a:lstStyle/>
+          <a:p>
+            <a:endParaRPr lang="pl-PL"/>
+          </a:p>
+        </p:txBody>
+      </p:sp>
+      <p:sp>
+        <p:nvSpPr>
+          <p:cNvPr id="9" name="Symbol zastępczy tekstu 8">
+            <a:extLst>
+              <a:ext uri="{FF2B5EF4-FFF2-40B4-BE49-F238E27FC236}">
+                <a16:creationId xmlns:a16="http://schemas.microsoft.com/office/drawing/2014/main" id="{E4871CEF-DB2D-409F-B926-D34161EB30CE}"/>
+              </a:ext>
+            </a:extLst>
+          </p:cNvPr>
+          <p:cNvSpPr>
+            <a:spLocks noGrp="1"/>
+          </p:cNvSpPr>
+          <p:nvPr>
+            <p:ph type="body" idx="11"/>
+          </p:nvPr>
+        </p:nvSpPr>
+        <p:spPr/>
+        <p:txBody>
+          <a:bodyPr/>
+          <a:lstStyle/>
+          <a:p>
+            <a:r>
+              <a:rPr lang="pl-PL" dirty="0"/>
+              <a:t>Jak to działa – </a:t>
+            </a:r>
+            <a:r>
+              <a:rPr lang="pl-PL" dirty="0" err="1"/>
+              <a:t>site</a:t>
+            </a:r>
+            <a:r>
+              <a:rPr lang="pl-PL" dirty="0"/>
+              <a:t>-to-</a:t>
+            </a:r>
+            <a:r>
+              <a:rPr lang="pl-PL" dirty="0" err="1"/>
+              <a:t>site</a:t>
+            </a:r>
+            <a:r>
+              <a:rPr lang="pl-PL" dirty="0"/>
+              <a:t>  VPN</a:t>
+            </a:r>
+          </a:p>
+        </p:txBody>
+      </p:sp>
+      <p:pic>
+        <p:nvPicPr>
+          <p:cNvPr id="14" name="Symbol zastępczy zawartości 13">
+            <a:extLst>
+              <a:ext uri="{FF2B5EF4-FFF2-40B4-BE49-F238E27FC236}">
+                <a16:creationId xmlns:a16="http://schemas.microsoft.com/office/drawing/2014/main" id="{F752B96E-62A3-4437-A62C-DCE7ECDFDCD7}"/>
+              </a:ext>
+            </a:extLst>
+          </p:cNvPr>
+          <p:cNvPicPr>
+            <a:picLocks noGrp="1" noChangeAspect="1"/>
+          </p:cNvPicPr>
+          <p:nvPr>
+            <p:ph sz="half" idx="1"/>
+          </p:nvPr>
+        </p:nvPicPr>
+        <p:blipFill>
+          <a:blip r:embed="rId2">
+            <a:extLst>
+              <a:ext uri="{28A0092B-C50C-407E-A947-70E740481C1C}">
+                <a14:useLocalDpi xmlns:a14="http://schemas.microsoft.com/office/drawing/2010/main" val="0"/>
+              </a:ext>
+            </a:extLst>
+          </a:blip>
+          <a:stretch>
+            <a:fillRect/>
+          </a:stretch>
+        </p:blipFill>
+        <p:spPr>
+          <a:xfrm>
+            <a:off x="766467" y="2060848"/>
+            <a:ext cx="8262938" cy="3263120"/>
+          </a:xfrm>
+        </p:spPr>
+      </p:pic>
+    </p:spTree>
+    <p:extLst>
+      <p:ext uri="{BB962C8B-B14F-4D97-AF65-F5344CB8AC3E}">
+        <p14:creationId xmlns:p14="http://schemas.microsoft.com/office/powerpoint/2010/main" val="3288081098"/>
+      </p:ext>
+    </p:extLst>
+  </p:cSld>
+  <p:clrMapOvr>
+    <a:masterClrMapping/>
+  </p:clrMapOvr>
+  <p:transition>
+    <p:randomBar/>
+  </p:transition>
+</p:sld>
+</file>
+
+<file path=ppt/slides/slide6.xml><?xml version="1.0" encoding="utf-8"?>
+<p:sld xmlns:a="http://schemas.openxmlformats.org/drawingml/2006/main" xmlns:r="http://schemas.openxmlformats.org/officeDocument/2006/relationships" xmlns:p="http://schemas.openxmlformats.org/presentationml/2006/main">
+  <p:cSld>
+    <p:spTree>
+      <p:nvGrpSpPr>
+        <p:cNvPr id="1" name=""/>
+        <p:cNvGrpSpPr/>
+        <p:nvPr/>
+      </p:nvGrpSpPr>
+      <p:grpSpPr>
+        <a:xfrm>
+          <a:off x="0" y="0"/>
+          <a:ext cx="0" cy="0"/>
+          <a:chOff x="0" y="0"/>
+          <a:chExt cx="0" cy="0"/>
+        </a:xfrm>
+      </p:grpSpPr>
+      <p:sp>
+        <p:nvSpPr>
+          <p:cNvPr id="5" name="Symbol zastępczy zawartości 4">
+            <a:extLst>
+              <a:ext uri="{FF2B5EF4-FFF2-40B4-BE49-F238E27FC236}">
+                <a16:creationId xmlns:a16="http://schemas.microsoft.com/office/drawing/2014/main" id="{5A6EAA06-E1AF-46A3-8FD1-BD05F8AFEC34}"/>
+              </a:ext>
+            </a:extLst>
+          </p:cNvPr>
+          <p:cNvSpPr>
+            <a:spLocks noGrp="1"/>
+          </p:cNvSpPr>
+          <p:nvPr>
+            <p:ph sz="half" idx="1"/>
+          </p:nvPr>
+        </p:nvSpPr>
+        <p:spPr>
+          <a:xfrm>
+            <a:off x="1079708" y="1668499"/>
+            <a:ext cx="3821154" cy="3168351"/>
+          </a:xfrm>
+        </p:spPr>
+        <p:txBody>
+          <a:bodyPr/>
+          <a:lstStyle/>
+          <a:p>
+            <a:pPr>
+              <a:buFont typeface="Calibri" panose="020F0502020204030204" pitchFamily="34" charset="0"/>
+              <a:buChar char="−"/>
+            </a:pPr>
+            <a:r>
+              <a:rPr lang="pl-PL" sz="2000" dirty="0"/>
+              <a:t>Trudna konfiguracja</a:t>
+            </a:r>
+          </a:p>
+          <a:p>
+            <a:pPr>
+              <a:buFont typeface="Calibri" panose="020F0502020204030204" pitchFamily="34" charset="0"/>
+              <a:buChar char="−"/>
+            </a:pPr>
+            <a:r>
+              <a:rPr lang="pl-PL" sz="2000" dirty="0"/>
+              <a:t>Możliwe wycieki IP i DNS</a:t>
+            </a:r>
+          </a:p>
+          <a:p>
+            <a:pPr>
+              <a:buFont typeface="Calibri" panose="020F0502020204030204" pitchFamily="34" charset="0"/>
+              <a:buChar char="−"/>
+            </a:pPr>
+            <a:r>
+              <a:rPr lang="pl-PL" sz="2000" dirty="0"/>
+              <a:t>Koszt subskrypcji</a:t>
+            </a:r>
+          </a:p>
+          <a:p>
+            <a:pPr>
+              <a:buFont typeface="Calibri" panose="020F0502020204030204" pitchFamily="34" charset="0"/>
+              <a:buChar char="−"/>
+            </a:pPr>
+            <a:r>
+              <a:rPr lang="pl-PL" sz="2000" dirty="0"/>
+              <a:t>Zmniejsza o kilka procent przepustowość sieci</a:t>
+            </a:r>
+          </a:p>
+          <a:p>
+            <a:pPr>
+              <a:buFont typeface="Calibri" panose="020F0502020204030204" pitchFamily="34" charset="0"/>
+              <a:buChar char="−"/>
+            </a:pPr>
+            <a:r>
+              <a:rPr lang="pl-PL" sz="2000" dirty="0"/>
+              <a:t>Możliwość blokowania VPN  przez aplikacje bankowe</a:t>
+            </a:r>
+          </a:p>
+          <a:p>
+            <a:pPr>
+              <a:buFont typeface="Calibri" panose="020F0502020204030204" pitchFamily="34" charset="0"/>
+              <a:buChar char="−"/>
+            </a:pPr>
+            <a:r>
+              <a:rPr lang="pl-PL" sz="2000" dirty="0"/>
+              <a:t>Stosowanie do nielegalnych działań</a:t>
+            </a:r>
+          </a:p>
+          <a:p>
+            <a:pPr>
+              <a:buFont typeface="Calibri" panose="020F0502020204030204" pitchFamily="34" charset="0"/>
+              <a:buChar char="−"/>
+            </a:pPr>
+            <a:endParaRPr lang="pl-PL" dirty="0"/>
+          </a:p>
+          <a:p>
+            <a:pPr>
+              <a:buFont typeface="Calibri" panose="020F0502020204030204" pitchFamily="34" charset="0"/>
+              <a:buChar char="−"/>
+            </a:pPr>
+            <a:endParaRPr lang="pl-PL" dirty="0"/>
+          </a:p>
+        </p:txBody>
+      </p:sp>
+      <p:sp>
+        <p:nvSpPr>
+          <p:cNvPr id="6" name="Symbol zastępczy zawartości 5">
+            <a:extLst>
+              <a:ext uri="{FF2B5EF4-FFF2-40B4-BE49-F238E27FC236}">
+                <a16:creationId xmlns:a16="http://schemas.microsoft.com/office/drawing/2014/main" id="{F5838009-EDF6-4308-8FB3-350BA6C21DC8}"/>
+              </a:ext>
+            </a:extLst>
+          </p:cNvPr>
+          <p:cNvSpPr>
+            <a:spLocks noGrp="1"/>
+          </p:cNvSpPr>
+          <p:nvPr>
+            <p:ph sz="half" idx="11"/>
+          </p:nvPr>
+        </p:nvSpPr>
+        <p:spPr>
+          <a:xfrm>
+            <a:off x="5151867" y="3400624"/>
+            <a:ext cx="3888432" cy="3168351"/>
+          </a:xfrm>
+        </p:spPr>
+        <p:txBody>
+          <a:bodyPr/>
+          <a:lstStyle/>
+          <a:p>
+            <a:pPr>
+              <a:buFont typeface="Calibri" panose="020F0502020204030204" pitchFamily="34" charset="0"/>
+              <a:buChar char="+"/>
+            </a:pPr>
+            <a:r>
+              <a:rPr lang="pl-PL" sz="2000" dirty="0"/>
+              <a:t>Szyfrowanie ruchu</a:t>
+            </a:r>
+          </a:p>
+          <a:p>
+            <a:pPr>
+              <a:buFont typeface="Calibri" panose="020F0502020204030204" pitchFamily="34" charset="0"/>
+              <a:buChar char="+"/>
+            </a:pPr>
+            <a:r>
+              <a:rPr lang="pl-PL" sz="2000" dirty="0"/>
+              <a:t>Utrudnione śledzenie</a:t>
+            </a:r>
+          </a:p>
+          <a:p>
+            <a:pPr>
+              <a:buFont typeface="Calibri" panose="020F0502020204030204" pitchFamily="34" charset="0"/>
+              <a:buChar char="+"/>
+            </a:pPr>
+            <a:r>
+              <a:rPr lang="pl-PL" sz="2000" dirty="0"/>
+              <a:t>Bezpieczne korzystanie z publicznego Wi-Fi</a:t>
+            </a:r>
+          </a:p>
+          <a:p>
+            <a:pPr>
+              <a:buFont typeface="Calibri" panose="020F0502020204030204" pitchFamily="34" charset="0"/>
+              <a:buChar char="+"/>
+            </a:pPr>
+            <a:r>
+              <a:rPr lang="pl-PL" sz="2000" dirty="0"/>
+              <a:t>Anonimowość</a:t>
+            </a:r>
+          </a:p>
+          <a:p>
+            <a:pPr>
+              <a:buFont typeface="Calibri" panose="020F0502020204030204" pitchFamily="34" charset="0"/>
+              <a:buChar char="+"/>
+            </a:pPr>
+            <a:r>
+              <a:rPr lang="pl-PL" sz="2000" dirty="0"/>
+              <a:t>Koszt zarządzania</a:t>
+            </a:r>
+          </a:p>
+          <a:p>
+            <a:pPr>
+              <a:buFont typeface="Calibri" panose="020F0502020204030204" pitchFamily="34" charset="0"/>
+              <a:buChar char="+"/>
+            </a:pPr>
+            <a:r>
+              <a:rPr lang="pl-PL" sz="2000" dirty="0"/>
+              <a:t>Poprawienie poziomu usług firmy</a:t>
+            </a:r>
+          </a:p>
+          <a:p>
+            <a:pPr>
+              <a:buFont typeface="Calibri" panose="020F0502020204030204" pitchFamily="34" charset="0"/>
+              <a:buChar char="+"/>
+            </a:pPr>
+            <a:r>
+              <a:rPr lang="pl-PL" sz="2000" dirty="0"/>
+              <a:t>Unikanie ograniczeń geograficznych</a:t>
+            </a:r>
+          </a:p>
+        </p:txBody>
+      </p:sp>
+      <p:sp>
+        <p:nvSpPr>
+          <p:cNvPr id="4" name="Symbol zastępczy tekstu 3">
+            <a:extLst>
+              <a:ext uri="{FF2B5EF4-FFF2-40B4-BE49-F238E27FC236}">
+                <a16:creationId xmlns:a16="http://schemas.microsoft.com/office/drawing/2014/main" id="{57DA6B6B-9782-474C-8035-16A1B36CBD27}"/>
+              </a:ext>
+            </a:extLst>
+          </p:cNvPr>
+          <p:cNvSpPr>
+            <a:spLocks noGrp="1"/>
+          </p:cNvSpPr>
+          <p:nvPr>
+            <p:ph type="body" idx="10"/>
+          </p:nvPr>
+        </p:nvSpPr>
+        <p:spPr/>
+        <p:txBody>
+          <a:bodyPr/>
+          <a:lstStyle/>
+          <a:p>
+            <a:endParaRPr lang="pl-PL" dirty="0"/>
+          </a:p>
+        </p:txBody>
+      </p:sp>
+      <p:sp>
+        <p:nvSpPr>
+          <p:cNvPr id="7" name="Symbol zastępczy tekstu 6">
+            <a:extLst>
+              <a:ext uri="{FF2B5EF4-FFF2-40B4-BE49-F238E27FC236}">
+                <a16:creationId xmlns:a16="http://schemas.microsoft.com/office/drawing/2014/main" id="{8F7508CE-2AB8-445C-8B9C-C8B9C5F7382F}"/>
+              </a:ext>
+            </a:extLst>
+          </p:cNvPr>
+          <p:cNvSpPr>
+            <a:spLocks noGrp="1"/>
+          </p:cNvSpPr>
+          <p:nvPr>
+            <p:ph type="body" idx="12"/>
+          </p:nvPr>
+        </p:nvSpPr>
+        <p:spPr>
+          <a:xfrm>
+            <a:off x="1078728" y="548442"/>
+            <a:ext cx="8284724" cy="864096"/>
+          </a:xfrm>
+        </p:spPr>
+        <p:txBody>
+          <a:bodyPr/>
+          <a:lstStyle/>
+          <a:p>
+            <a:r>
+              <a:rPr lang="pl-PL" dirty="0"/>
+              <a:t>Wady i zalety</a:t>
+            </a:r>
+          </a:p>
+        </p:txBody>
+      </p:sp>
+      <p:pic>
+        <p:nvPicPr>
+          <p:cNvPr id="25" name="Obraz 24">
+            <a:extLst>
+              <a:ext uri="{FF2B5EF4-FFF2-40B4-BE49-F238E27FC236}">
+                <a16:creationId xmlns:a16="http://schemas.microsoft.com/office/drawing/2014/main" id="{17378300-7030-4249-A14B-043426CA136F}"/>
+              </a:ext>
+            </a:extLst>
+          </p:cNvPr>
+          <p:cNvPicPr>
+            <a:picLocks noChangeAspect="1"/>
+          </p:cNvPicPr>
+          <p:nvPr/>
+        </p:nvPicPr>
+        <p:blipFill>
+          <a:blip r:embed="rId2">
+            <a:extLst>
+              <a:ext uri="{28A0092B-C50C-407E-A947-70E740481C1C}">
+                <a14:useLocalDpi xmlns:a14="http://schemas.microsoft.com/office/drawing/2010/main" val="0"/>
+              </a:ext>
+            </a:extLst>
+          </a:blip>
+          <a:stretch>
+            <a:fillRect/>
+          </a:stretch>
+        </p:blipFill>
+        <p:spPr>
+          <a:xfrm>
+            <a:off x="2271154" y="4871059"/>
+            <a:ext cx="1438261" cy="1438261"/>
+          </a:xfrm>
+          <a:prstGeom prst="rect">
+            <a:avLst/>
+          </a:prstGeom>
+        </p:spPr>
+      </p:pic>
+      <p:pic>
+        <p:nvPicPr>
+          <p:cNvPr id="27" name="Obraz 26" descr="Obraz zawierający clipart&#10;&#10;Opis wygenerowany przy wysokim poziomie pewności">
+            <a:extLst>
+              <a:ext uri="{FF2B5EF4-FFF2-40B4-BE49-F238E27FC236}">
+                <a16:creationId xmlns:a16="http://schemas.microsoft.com/office/drawing/2014/main" id="{C23F5B15-1CA0-487D-A681-2D80FF9B6304}"/>
+              </a:ext>
+            </a:extLst>
+          </p:cNvPr>
+          <p:cNvPicPr>
+            <a:picLocks noChangeAspect="1"/>
+          </p:cNvPicPr>
+          <p:nvPr/>
+        </p:nvPicPr>
+        <p:blipFill>
+          <a:blip r:embed="rId3">
+            <a:extLst>
+              <a:ext uri="{28A0092B-C50C-407E-A947-70E740481C1C}">
+                <a14:useLocalDpi xmlns:a14="http://schemas.microsoft.com/office/drawing/2010/main" val="0"/>
+              </a:ext>
+            </a:extLst>
+          </a:blip>
+          <a:stretch>
+            <a:fillRect/>
+          </a:stretch>
+        </p:blipFill>
+        <p:spPr>
+          <a:xfrm>
+            <a:off x="6104070" y="1668499"/>
+            <a:ext cx="1476164" cy="1476164"/>
+          </a:xfrm>
+          <a:prstGeom prst="rect">
+            <a:avLst/>
+          </a:prstGeom>
+        </p:spPr>
+      </p:pic>
+    </p:spTree>
+    <p:extLst>
+      <p:ext uri="{BB962C8B-B14F-4D97-AF65-F5344CB8AC3E}">
+        <p14:creationId xmlns:p14="http://schemas.microsoft.com/office/powerpoint/2010/main" val="1462978201"/>
+      </p:ext>
+    </p:extLst>
+  </p:cSld>
+  <p:clrMapOvr>
+    <a:masterClrMapping/>
+  </p:clrMapOvr>
+  <p:transition>
+    <p:randomBar/>
+  </p:transition>
+</p:sld>
+</file>
+
+<file path=ppt/slides/slide7.xml><?xml version="1.0" encoding="utf-8"?>
 <p:sld xmlns:a="http://schemas.openxmlformats.org/drawingml/2006/main" xmlns:r="http://schemas.openxmlformats.org/officeDocument/2006/relationships" xmlns:p="http://schemas.openxmlformats.org/presentationml/2006/main">
   <p:cSld>
     <p:spTree>
@@ -7217,7 +7857,7 @@
 </p:sld>
 </file>
 
-<file path=ppt/slides/slide6.xml><?xml version="1.0" encoding="utf-8"?>
+<file path=ppt/slides/slide8.xml><?xml version="1.0" encoding="utf-8"?>
 <p:sld xmlns:a="http://schemas.openxmlformats.org/drawingml/2006/main" xmlns:r="http://schemas.openxmlformats.org/officeDocument/2006/relationships" xmlns:p="http://schemas.openxmlformats.org/presentationml/2006/main">
   <p:cSld>
     <p:spTree>
@@ -7596,7 +8236,7 @@
 </p:sld>
 </file>
 
-<file path=ppt/slides/slide7.xml><?xml version="1.0" encoding="utf-8"?>
+<file path=ppt/slides/slide9.xml><?xml version="1.0" encoding="utf-8"?>
 <p:sld xmlns:a="http://schemas.openxmlformats.org/drawingml/2006/main" xmlns:r="http://schemas.openxmlformats.org/officeDocument/2006/relationships" xmlns:p="http://schemas.openxmlformats.org/presentationml/2006/main">
   <p:cSld>
     <p:spTree>
@@ -7648,7 +8288,7 @@
             </a:pPr>
             <a:r>
               <a:rPr lang="pl-PL" dirty="0"/>
-              <a:t>[2]</a:t>
+              <a:t>[2]Microsoft TechNet [online] [dostęp: 17.12.2017], dostępny w Internecie: https://technet.microsoft.com/</a:t>
             </a:r>
           </a:p>
         </p:txBody>
@@ -7710,134 +8350,6 @@
     <p:extLst>
       <p:ext uri="{BB962C8B-B14F-4D97-AF65-F5344CB8AC3E}">
         <p14:creationId xmlns:p14="http://schemas.microsoft.com/office/powerpoint/2010/main" val="530569695"/>
-      </p:ext>
-    </p:extLst>
-  </p:cSld>
-  <p:clrMapOvr>
-    <a:masterClrMapping/>
-  </p:clrMapOvr>
-  <p:transition>
-    <p:randomBar/>
-  </p:transition>
-</p:sld>
-</file>
-
-<file path=ppt/slides/slide8.xml><?xml version="1.0" encoding="utf-8"?>
-<p:sld xmlns:a="http://schemas.openxmlformats.org/drawingml/2006/main" xmlns:r="http://schemas.openxmlformats.org/officeDocument/2006/relationships" xmlns:p="http://schemas.openxmlformats.org/presentationml/2006/main">
-  <p:cSld>
-    <p:spTree>
-      <p:nvGrpSpPr>
-        <p:cNvPr id="1" name=""/>
-        <p:cNvGrpSpPr/>
-        <p:nvPr/>
-      </p:nvGrpSpPr>
-      <p:grpSpPr>
-        <a:xfrm>
-          <a:off x="0" y="0"/>
-          <a:ext cx="0" cy="0"/>
-          <a:chOff x="0" y="0"/>
-          <a:chExt cx="0" cy="0"/>
-        </a:xfrm>
-      </p:grpSpPr>
-      <p:sp>
-        <p:nvSpPr>
-          <p:cNvPr id="2" name="Symbol zastępczy zawartości 1">
-            <a:extLst>
-              <a:ext uri="{FF2B5EF4-FFF2-40B4-BE49-F238E27FC236}">
-                <a16:creationId xmlns:a16="http://schemas.microsoft.com/office/drawing/2014/main" id="{37EB9372-BA2A-4E2E-B598-2E6DF9F18BC1}"/>
-              </a:ext>
-            </a:extLst>
-          </p:cNvPr>
-          <p:cNvSpPr>
-            <a:spLocks noGrp="1"/>
-          </p:cNvSpPr>
-          <p:nvPr>
-            <p:ph sz="half" idx="1"/>
-          </p:nvPr>
-        </p:nvSpPr>
-        <p:spPr>
-          <a:xfrm>
-            <a:off x="631716" y="2420888"/>
-            <a:ext cx="8532439" cy="1440160"/>
-          </a:xfrm>
-        </p:spPr>
-        <p:txBody>
-          <a:bodyPr/>
-          <a:lstStyle/>
-          <a:p>
-            <a:pPr marL="0" indent="0" algn="ctr">
-              <a:buNone/>
-            </a:pPr>
-            <a:r>
-              <a:rPr lang="pl-PL" sz="4800" dirty="0"/>
-              <a:t>Dziękujemy za uwagę </a:t>
-            </a:r>
-          </a:p>
-          <a:p>
-            <a:pPr marL="0" indent="0" algn="ctr">
-              <a:buNone/>
-            </a:pPr>
-            <a:r>
-              <a:rPr lang="pl-PL" sz="4800" dirty="0"/>
-              <a:t>i zapraszamy do zadawania pytań</a:t>
-            </a:r>
-          </a:p>
-        </p:txBody>
-      </p:sp>
-      <p:sp>
-        <p:nvSpPr>
-          <p:cNvPr id="3" name="Symbol zastępczy tekstu 2">
-            <a:extLst>
-              <a:ext uri="{FF2B5EF4-FFF2-40B4-BE49-F238E27FC236}">
-                <a16:creationId xmlns:a16="http://schemas.microsoft.com/office/drawing/2014/main" id="{6548A1F2-12F3-4341-B774-D4A030E3E006}"/>
-              </a:ext>
-            </a:extLst>
-          </p:cNvPr>
-          <p:cNvSpPr>
-            <a:spLocks noGrp="1"/>
-          </p:cNvSpPr>
-          <p:nvPr>
-            <p:ph type="body" idx="10"/>
-          </p:nvPr>
-        </p:nvSpPr>
-        <p:spPr/>
-        <p:txBody>
-          <a:bodyPr/>
-          <a:lstStyle/>
-          <a:p>
-            <a:endParaRPr lang="pl-PL"/>
-          </a:p>
-        </p:txBody>
-      </p:sp>
-      <p:sp>
-        <p:nvSpPr>
-          <p:cNvPr id="4" name="Symbol zastępczy tekstu 3">
-            <a:extLst>
-              <a:ext uri="{FF2B5EF4-FFF2-40B4-BE49-F238E27FC236}">
-                <a16:creationId xmlns:a16="http://schemas.microsoft.com/office/drawing/2014/main" id="{402B35CF-3790-40C8-836E-14FB1A4D66D8}"/>
-              </a:ext>
-            </a:extLst>
-          </p:cNvPr>
-          <p:cNvSpPr>
-            <a:spLocks noGrp="1"/>
-          </p:cNvSpPr>
-          <p:nvPr>
-            <p:ph type="body" idx="11"/>
-          </p:nvPr>
-        </p:nvSpPr>
-        <p:spPr/>
-        <p:txBody>
-          <a:bodyPr/>
-          <a:lstStyle/>
-          <a:p>
-            <a:endParaRPr lang="pl-PL" dirty="0"/>
-          </a:p>
-        </p:txBody>
-      </p:sp>
-    </p:spTree>
-    <p:extLst>
-      <p:ext uri="{BB962C8B-B14F-4D97-AF65-F5344CB8AC3E}">
-        <p14:creationId xmlns:p14="http://schemas.microsoft.com/office/powerpoint/2010/main" val="1109285966"/>
       </p:ext>
     </p:extLst>
   </p:cSld>

--- a/VPN/VPN.pptx
+++ b/VPN/VPN.pptx
@@ -5,10 +5,10 @@
     <p:sldMasterId id="2147483649" r:id="rId1"/>
   </p:sldMasterIdLst>
   <p:notesMasterIdLst>
-    <p:notesMasterId r:id="rId12"/>
+    <p:notesMasterId r:id="rId17"/>
   </p:notesMasterIdLst>
   <p:handoutMasterIdLst>
-    <p:handoutMasterId r:id="rId13"/>
+    <p:handoutMasterId r:id="rId18"/>
   </p:handoutMasterIdLst>
   <p:sldIdLst>
     <p:sldId id="257" r:id="rId2"/>
@@ -17,10 +17,15 @@
     <p:sldId id="269" r:id="rId5"/>
     <p:sldId id="270" r:id="rId6"/>
     <p:sldId id="271" r:id="rId7"/>
-    <p:sldId id="261" r:id="rId8"/>
-    <p:sldId id="268" r:id="rId9"/>
-    <p:sldId id="266" r:id="rId10"/>
-    <p:sldId id="267" r:id="rId11"/>
+    <p:sldId id="272" r:id="rId8"/>
+    <p:sldId id="273" r:id="rId9"/>
+    <p:sldId id="274" r:id="rId10"/>
+    <p:sldId id="275" r:id="rId11"/>
+    <p:sldId id="276" r:id="rId12"/>
+    <p:sldId id="261" r:id="rId13"/>
+    <p:sldId id="268" r:id="rId14"/>
+    <p:sldId id="266" r:id="rId15"/>
+    <p:sldId id="267" r:id="rId16"/>
   </p:sldIdLst>
   <p:sldSz cx="9144000" cy="6858000" type="screen4x3"/>
   <p:notesSz cx="6797675" cy="9926638"/>
@@ -287,7 +292,7 @@
               <a:pPr>
                 <a:defRPr/>
               </a:pPr>
-              <a:t>17.12.2017</a:t>
+              <a:t>18.12.2017</a:t>
             </a:fld>
             <a:endParaRPr lang="pl-PL"/>
           </a:p>
@@ -500,7 +505,7 @@
               <a:pPr>
                 <a:defRPr/>
               </a:pPr>
-              <a:t>17.12.2017</a:t>
+              <a:t>18.12.2017</a:t>
             </a:fld>
             <a:endParaRPr lang="pl-PL"/>
           </a:p>
@@ -904,6 +909,261 @@
     <p:extLst>
       <p:ext uri="{BB962C8B-B14F-4D97-AF65-F5344CB8AC3E}">
         <p14:creationId xmlns:p14="http://schemas.microsoft.com/office/powerpoint/2010/main" val="1251679356"/>
+      </p:ext>
+    </p:extLst>
+  </p:cSld>
+  <p:clrMapOvr>
+    <a:masterClrMapping/>
+  </p:clrMapOvr>
+</p:notes>
+</file>
+
+<file path=ppt/notesSlides/notesSlide2.xml><?xml version="1.0" encoding="utf-8"?>
+<p:notes xmlns:a="http://schemas.openxmlformats.org/drawingml/2006/main" xmlns:r="http://schemas.openxmlformats.org/officeDocument/2006/relationships" xmlns:p="http://schemas.openxmlformats.org/presentationml/2006/main">
+  <p:cSld>
+    <p:spTree>
+      <p:nvGrpSpPr>
+        <p:cNvPr id="1" name=""/>
+        <p:cNvGrpSpPr/>
+        <p:nvPr/>
+      </p:nvGrpSpPr>
+      <p:grpSpPr>
+        <a:xfrm>
+          <a:off x="0" y="0"/>
+          <a:ext cx="0" cy="0"/>
+          <a:chOff x="0" y="0"/>
+          <a:chExt cx="0" cy="0"/>
+        </a:xfrm>
+      </p:grpSpPr>
+      <p:sp>
+        <p:nvSpPr>
+          <p:cNvPr id="2" name="Symbol zastępczy obrazu slajdu 1"/>
+          <p:cNvSpPr>
+            <a:spLocks noGrp="1" noRot="1" noChangeAspect="1"/>
+          </p:cNvSpPr>
+          <p:nvPr>
+            <p:ph type="sldImg"/>
+          </p:nvPr>
+        </p:nvSpPr>
+        <p:spPr/>
+      </p:sp>
+      <p:sp>
+        <p:nvSpPr>
+          <p:cNvPr id="3" name="Symbol zastępczy notatek 2"/>
+          <p:cNvSpPr>
+            <a:spLocks noGrp="1"/>
+          </p:cNvSpPr>
+          <p:nvPr>
+            <p:ph type="body" idx="1"/>
+          </p:nvPr>
+        </p:nvSpPr>
+        <p:spPr/>
+        <p:txBody>
+          <a:bodyPr/>
+          <a:lstStyle/>
+          <a:p>
+            <a:endParaRPr lang="pl-PL" dirty="0"/>
+          </a:p>
+        </p:txBody>
+      </p:sp>
+      <p:sp>
+        <p:nvSpPr>
+          <p:cNvPr id="4" name="Symbol zastępczy numeru slajdu 3"/>
+          <p:cNvSpPr>
+            <a:spLocks noGrp="1"/>
+          </p:cNvSpPr>
+          <p:nvPr>
+            <p:ph type="sldNum" sz="quarter" idx="10"/>
+          </p:nvPr>
+        </p:nvSpPr>
+        <p:spPr/>
+        <p:txBody>
+          <a:bodyPr/>
+          <a:lstStyle/>
+          <a:p>
+            <a:fld id="{6D47C297-1D60-41F4-9917-76E0A87C7FA4}" type="slidenum">
+              <a:rPr lang="pl-PL" altLang="pl-PL" smtClean="0"/>
+              <a:pPr/>
+              <a:t>8</a:t>
+            </a:fld>
+            <a:endParaRPr lang="pl-PL" altLang="pl-PL"/>
+          </a:p>
+        </p:txBody>
+      </p:sp>
+    </p:spTree>
+    <p:extLst>
+      <p:ext uri="{BB962C8B-B14F-4D97-AF65-F5344CB8AC3E}">
+        <p14:creationId xmlns:p14="http://schemas.microsoft.com/office/powerpoint/2010/main" val="3571196991"/>
+      </p:ext>
+    </p:extLst>
+  </p:cSld>
+  <p:clrMapOvr>
+    <a:masterClrMapping/>
+  </p:clrMapOvr>
+</p:notes>
+</file>
+
+<file path=ppt/notesSlides/notesSlide3.xml><?xml version="1.0" encoding="utf-8"?>
+<p:notes xmlns:a="http://schemas.openxmlformats.org/drawingml/2006/main" xmlns:r="http://schemas.openxmlformats.org/officeDocument/2006/relationships" xmlns:p="http://schemas.openxmlformats.org/presentationml/2006/main">
+  <p:cSld>
+    <p:spTree>
+      <p:nvGrpSpPr>
+        <p:cNvPr id="1" name=""/>
+        <p:cNvGrpSpPr/>
+        <p:nvPr/>
+      </p:nvGrpSpPr>
+      <p:grpSpPr>
+        <a:xfrm>
+          <a:off x="0" y="0"/>
+          <a:ext cx="0" cy="0"/>
+          <a:chOff x="0" y="0"/>
+          <a:chExt cx="0" cy="0"/>
+        </a:xfrm>
+      </p:grpSpPr>
+      <p:sp>
+        <p:nvSpPr>
+          <p:cNvPr id="2" name="Symbol zastępczy obrazu slajdu 1"/>
+          <p:cNvSpPr>
+            <a:spLocks noGrp="1" noRot="1" noChangeAspect="1"/>
+          </p:cNvSpPr>
+          <p:nvPr>
+            <p:ph type="sldImg"/>
+          </p:nvPr>
+        </p:nvSpPr>
+        <p:spPr/>
+      </p:sp>
+      <p:sp>
+        <p:nvSpPr>
+          <p:cNvPr id="3" name="Symbol zastępczy notatek 2"/>
+          <p:cNvSpPr>
+            <a:spLocks noGrp="1"/>
+          </p:cNvSpPr>
+          <p:nvPr>
+            <p:ph type="body" idx="1"/>
+          </p:nvPr>
+        </p:nvSpPr>
+        <p:spPr/>
+        <p:txBody>
+          <a:bodyPr/>
+          <a:lstStyle/>
+          <a:p>
+            <a:endParaRPr lang="pl-PL" dirty="0"/>
+          </a:p>
+        </p:txBody>
+      </p:sp>
+      <p:sp>
+        <p:nvSpPr>
+          <p:cNvPr id="4" name="Symbol zastępczy numeru slajdu 3"/>
+          <p:cNvSpPr>
+            <a:spLocks noGrp="1"/>
+          </p:cNvSpPr>
+          <p:nvPr>
+            <p:ph type="sldNum" sz="quarter" idx="10"/>
+          </p:nvPr>
+        </p:nvSpPr>
+        <p:spPr/>
+        <p:txBody>
+          <a:bodyPr/>
+          <a:lstStyle/>
+          <a:p>
+            <a:fld id="{6D47C297-1D60-41F4-9917-76E0A87C7FA4}" type="slidenum">
+              <a:rPr lang="pl-PL" altLang="pl-PL" smtClean="0"/>
+              <a:pPr/>
+              <a:t>9</a:t>
+            </a:fld>
+            <a:endParaRPr lang="pl-PL" altLang="pl-PL"/>
+          </a:p>
+        </p:txBody>
+      </p:sp>
+    </p:spTree>
+    <p:extLst>
+      <p:ext uri="{BB962C8B-B14F-4D97-AF65-F5344CB8AC3E}">
+        <p14:creationId xmlns:p14="http://schemas.microsoft.com/office/powerpoint/2010/main" val="2467600427"/>
+      </p:ext>
+    </p:extLst>
+  </p:cSld>
+  <p:clrMapOvr>
+    <a:masterClrMapping/>
+  </p:clrMapOvr>
+</p:notes>
+</file>
+
+<file path=ppt/notesSlides/notesSlide4.xml><?xml version="1.0" encoding="utf-8"?>
+<p:notes xmlns:a="http://schemas.openxmlformats.org/drawingml/2006/main" xmlns:r="http://schemas.openxmlformats.org/officeDocument/2006/relationships" xmlns:p="http://schemas.openxmlformats.org/presentationml/2006/main">
+  <p:cSld>
+    <p:spTree>
+      <p:nvGrpSpPr>
+        <p:cNvPr id="1" name=""/>
+        <p:cNvGrpSpPr/>
+        <p:nvPr/>
+      </p:nvGrpSpPr>
+      <p:grpSpPr>
+        <a:xfrm>
+          <a:off x="0" y="0"/>
+          <a:ext cx="0" cy="0"/>
+          <a:chOff x="0" y="0"/>
+          <a:chExt cx="0" cy="0"/>
+        </a:xfrm>
+      </p:grpSpPr>
+      <p:sp>
+        <p:nvSpPr>
+          <p:cNvPr id="2" name="Symbol zastępczy obrazu slajdu 1"/>
+          <p:cNvSpPr>
+            <a:spLocks noGrp="1" noRot="1" noChangeAspect="1"/>
+          </p:cNvSpPr>
+          <p:nvPr>
+            <p:ph type="sldImg"/>
+          </p:nvPr>
+        </p:nvSpPr>
+        <p:spPr/>
+      </p:sp>
+      <p:sp>
+        <p:nvSpPr>
+          <p:cNvPr id="3" name="Symbol zastępczy notatek 2"/>
+          <p:cNvSpPr>
+            <a:spLocks noGrp="1"/>
+          </p:cNvSpPr>
+          <p:nvPr>
+            <p:ph type="body" idx="1"/>
+          </p:nvPr>
+        </p:nvSpPr>
+        <p:spPr/>
+        <p:txBody>
+          <a:bodyPr/>
+          <a:lstStyle/>
+          <a:p>
+            <a:endParaRPr lang="pl-PL" dirty="0"/>
+          </a:p>
+        </p:txBody>
+      </p:sp>
+      <p:sp>
+        <p:nvSpPr>
+          <p:cNvPr id="4" name="Symbol zastępczy numeru slajdu 3"/>
+          <p:cNvSpPr>
+            <a:spLocks noGrp="1"/>
+          </p:cNvSpPr>
+          <p:nvPr>
+            <p:ph type="sldNum" sz="quarter" idx="10"/>
+          </p:nvPr>
+        </p:nvSpPr>
+        <p:spPr/>
+        <p:txBody>
+          <a:bodyPr/>
+          <a:lstStyle/>
+          <a:p>
+            <a:fld id="{6D47C297-1D60-41F4-9917-76E0A87C7FA4}" type="slidenum">
+              <a:rPr lang="pl-PL" altLang="pl-PL" smtClean="0"/>
+              <a:pPr/>
+              <a:t>10</a:t>
+            </a:fld>
+            <a:endParaRPr lang="pl-PL" altLang="pl-PL"/>
+          </a:p>
+        </p:txBody>
+      </p:sp>
+    </p:spTree>
+    <p:extLst>
+      <p:ext uri="{BB962C8B-B14F-4D97-AF65-F5344CB8AC3E}">
+        <p14:creationId xmlns:p14="http://schemas.microsoft.com/office/powerpoint/2010/main" val="254459888"/>
       </p:ext>
     </p:extLst>
   </p:cSld>
@@ -6662,6 +6922,1049 @@
           <p:cNvPr id="2" name="Symbol zastępczy zawartości 1">
             <a:extLst>
               <a:ext uri="{FF2B5EF4-FFF2-40B4-BE49-F238E27FC236}">
+                <a16:creationId xmlns:a16="http://schemas.microsoft.com/office/drawing/2014/main" id="{54608359-2521-4B88-A6A7-6C408900E398}"/>
+              </a:ext>
+            </a:extLst>
+          </p:cNvPr>
+          <p:cNvSpPr>
+            <a:spLocks noGrp="1"/>
+          </p:cNvSpPr>
+          <p:nvPr>
+            <p:ph sz="half" idx="1"/>
+          </p:nvPr>
+        </p:nvSpPr>
+        <p:spPr>
+          <a:xfrm>
+            <a:off x="755575" y="1556792"/>
+            <a:ext cx="6120681" cy="5256584"/>
+          </a:xfrm>
+        </p:spPr>
+        <p:txBody>
+          <a:bodyPr/>
+          <a:lstStyle/>
+          <a:p>
+            <a:pPr>
+              <a:buFont typeface="Wingdings" panose="05000000000000000000" pitchFamily="2" charset="2"/>
+              <a:buChar char="§"/>
+            </a:pPr>
+            <a:r>
+              <a:rPr lang="pl-PL" dirty="0"/>
+              <a:t>Omija większość zapór</a:t>
+            </a:r>
+          </a:p>
+          <a:p>
+            <a:pPr>
+              <a:buFont typeface="Wingdings" panose="05000000000000000000" pitchFamily="2" charset="2"/>
+              <a:buChar char="§"/>
+            </a:pPr>
+            <a:r>
+              <a:rPr lang="pl-PL" dirty="0"/>
+              <a:t>Bezpieczny</a:t>
+            </a:r>
+          </a:p>
+          <a:p>
+            <a:pPr>
+              <a:buFont typeface="Wingdings" panose="05000000000000000000" pitchFamily="2" charset="2"/>
+              <a:buChar char="§"/>
+            </a:pPr>
+            <a:r>
+              <a:rPr lang="pl-PL" dirty="0"/>
+              <a:t>Wsparcie Microsoftu</a:t>
+            </a:r>
+          </a:p>
+          <a:p>
+            <a:pPr>
+              <a:buFont typeface="Wingdings" panose="05000000000000000000" pitchFamily="2" charset="2"/>
+              <a:buChar char="§"/>
+            </a:pPr>
+            <a:r>
+              <a:rPr lang="pl-PL" dirty="0"/>
+              <a:t>Własność Microsoftu – brak możliwości weryfikacji </a:t>
+            </a:r>
+            <a:r>
+              <a:rPr lang="pl-PL" dirty="0" err="1"/>
+              <a:t>backdoorów</a:t>
+            </a:r>
+            <a:endParaRPr lang="pl-PL" dirty="0"/>
+          </a:p>
+          <a:p>
+            <a:pPr>
+              <a:buFont typeface="Wingdings" panose="05000000000000000000" pitchFamily="2" charset="2"/>
+              <a:buChar char="§"/>
+            </a:pPr>
+            <a:r>
+              <a:rPr lang="pl-PL" dirty="0"/>
+              <a:t>Działa tylko na platformie Windows</a:t>
+            </a:r>
+          </a:p>
+        </p:txBody>
+      </p:sp>
+      <p:sp>
+        <p:nvSpPr>
+          <p:cNvPr id="3" name="Symbol zastępczy tekstu 2">
+            <a:extLst>
+              <a:ext uri="{FF2B5EF4-FFF2-40B4-BE49-F238E27FC236}">
+                <a16:creationId xmlns:a16="http://schemas.microsoft.com/office/drawing/2014/main" id="{4765A635-5609-411D-B195-C5BDDF46C38E}"/>
+              </a:ext>
+            </a:extLst>
+          </p:cNvPr>
+          <p:cNvSpPr>
+            <a:spLocks noGrp="1"/>
+          </p:cNvSpPr>
+          <p:nvPr>
+            <p:ph type="body" idx="10"/>
+          </p:nvPr>
+        </p:nvSpPr>
+        <p:spPr/>
+        <p:txBody>
+          <a:bodyPr/>
+          <a:lstStyle/>
+          <a:p>
+            <a:endParaRPr lang="pl-PL"/>
+          </a:p>
+        </p:txBody>
+      </p:sp>
+      <p:sp>
+        <p:nvSpPr>
+          <p:cNvPr id="4" name="Symbol zastępczy tekstu 3">
+            <a:extLst>
+              <a:ext uri="{FF2B5EF4-FFF2-40B4-BE49-F238E27FC236}">
+                <a16:creationId xmlns:a16="http://schemas.microsoft.com/office/drawing/2014/main" id="{8235667C-866A-4D7C-9022-8AF538F607D7}"/>
+              </a:ext>
+            </a:extLst>
+          </p:cNvPr>
+          <p:cNvSpPr>
+            <a:spLocks noGrp="1"/>
+          </p:cNvSpPr>
+          <p:nvPr>
+            <p:ph type="body" idx="11"/>
+          </p:nvPr>
+        </p:nvSpPr>
+        <p:spPr/>
+        <p:txBody>
+          <a:bodyPr/>
+          <a:lstStyle/>
+          <a:p>
+            <a:r>
+              <a:rPr lang="pl-PL" dirty="0" err="1"/>
+              <a:t>Secure</a:t>
+            </a:r>
+            <a:r>
+              <a:rPr lang="pl-PL" dirty="0"/>
+              <a:t> </a:t>
+            </a:r>
+            <a:r>
+              <a:rPr lang="pl-PL" dirty="0" err="1"/>
+              <a:t>Soccet</a:t>
+            </a:r>
+            <a:r>
+              <a:rPr lang="pl-PL" dirty="0"/>
+              <a:t> </a:t>
+            </a:r>
+            <a:r>
+              <a:rPr lang="pl-PL" dirty="0" err="1"/>
+              <a:t>Tunneling</a:t>
+            </a:r>
+            <a:r>
+              <a:rPr lang="pl-PL" dirty="0"/>
+              <a:t> </a:t>
+            </a:r>
+            <a:r>
+              <a:rPr lang="pl-PL" dirty="0" err="1"/>
+              <a:t>Protocol</a:t>
+            </a:r>
+            <a:endParaRPr lang="pl-PL" dirty="0"/>
+          </a:p>
+        </p:txBody>
+      </p:sp>
+      <p:pic>
+        <p:nvPicPr>
+          <p:cNvPr id="6" name="Obraz 5" descr="Obraz zawierający zrzut ekranu&#10;&#10;Opis wygenerowany przy bardzo wysokim poziomie pewności">
+            <a:extLst>
+              <a:ext uri="{FF2B5EF4-FFF2-40B4-BE49-F238E27FC236}">
+                <a16:creationId xmlns:a16="http://schemas.microsoft.com/office/drawing/2014/main" id="{0C999AA6-C271-4520-B8F6-83C526AB7357}"/>
+              </a:ext>
+            </a:extLst>
+          </p:cNvPr>
+          <p:cNvPicPr>
+            <a:picLocks noChangeAspect="1"/>
+          </p:cNvPicPr>
+          <p:nvPr/>
+        </p:nvPicPr>
+        <p:blipFill>
+          <a:blip r:embed="rId3">
+            <a:extLst>
+              <a:ext uri="{28A0092B-C50C-407E-A947-70E740481C1C}">
+                <a14:useLocalDpi xmlns:a14="http://schemas.microsoft.com/office/drawing/2010/main" val="0"/>
+              </a:ext>
+            </a:extLst>
+          </a:blip>
+          <a:stretch>
+            <a:fillRect/>
+          </a:stretch>
+        </p:blipFill>
+        <p:spPr>
+          <a:xfrm>
+            <a:off x="1685271" y="5013177"/>
+            <a:ext cx="6425329" cy="1728192"/>
+          </a:xfrm>
+          <a:prstGeom prst="rect">
+            <a:avLst/>
+          </a:prstGeom>
+        </p:spPr>
+      </p:pic>
+    </p:spTree>
+    <p:extLst>
+      <p:ext uri="{BB962C8B-B14F-4D97-AF65-F5344CB8AC3E}">
+        <p14:creationId xmlns:p14="http://schemas.microsoft.com/office/powerpoint/2010/main" val="901682819"/>
+      </p:ext>
+    </p:extLst>
+  </p:cSld>
+  <p:clrMapOvr>
+    <a:masterClrMapping/>
+  </p:clrMapOvr>
+  <p:transition>
+    <p:randomBar/>
+  </p:transition>
+</p:sld>
+</file>
+
+<file path=ppt/slides/slide11.xml><?xml version="1.0" encoding="utf-8"?>
+<p:sld xmlns:a="http://schemas.openxmlformats.org/drawingml/2006/main" xmlns:r="http://schemas.openxmlformats.org/officeDocument/2006/relationships" xmlns:p="http://schemas.openxmlformats.org/presentationml/2006/main">
+  <p:cSld>
+    <p:spTree>
+      <p:nvGrpSpPr>
+        <p:cNvPr id="1" name=""/>
+        <p:cNvGrpSpPr/>
+        <p:nvPr/>
+      </p:nvGrpSpPr>
+      <p:grpSpPr>
+        <a:xfrm>
+          <a:off x="0" y="0"/>
+          <a:ext cx="0" cy="0"/>
+          <a:chOff x="0" y="0"/>
+          <a:chExt cx="0" cy="0"/>
+        </a:xfrm>
+      </p:grpSpPr>
+      <p:sp>
+        <p:nvSpPr>
+          <p:cNvPr id="2" name="Symbol zastępczy zawartości 1">
+            <a:extLst>
+              <a:ext uri="{FF2B5EF4-FFF2-40B4-BE49-F238E27FC236}">
+                <a16:creationId xmlns:a16="http://schemas.microsoft.com/office/drawing/2014/main" id="{A86805BE-B30E-4DA7-848F-5DCCB22D19FF}"/>
+              </a:ext>
+            </a:extLst>
+          </p:cNvPr>
+          <p:cNvSpPr>
+            <a:spLocks noGrp="1"/>
+          </p:cNvSpPr>
+          <p:nvPr>
+            <p:ph sz="half" idx="1"/>
+          </p:nvPr>
+        </p:nvSpPr>
+        <p:spPr>
+          <a:xfrm>
+            <a:off x="755575" y="1556792"/>
+            <a:ext cx="3816425" cy="5256584"/>
+          </a:xfrm>
+        </p:spPr>
+        <p:txBody>
+          <a:bodyPr/>
+          <a:lstStyle/>
+          <a:p>
+            <a:pPr>
+              <a:buFont typeface="Wingdings" panose="05000000000000000000" pitchFamily="2" charset="2"/>
+              <a:buChar char="§"/>
+            </a:pPr>
+            <a:r>
+              <a:rPr lang="pl-PL" dirty="0"/>
+              <a:t>Bardzo bezpieczny</a:t>
+            </a:r>
+          </a:p>
+          <a:p>
+            <a:pPr>
+              <a:buFont typeface="Wingdings" panose="05000000000000000000" pitchFamily="2" charset="2"/>
+              <a:buChar char="§"/>
+            </a:pPr>
+            <a:r>
+              <a:rPr lang="pl-PL" dirty="0"/>
+              <a:t>Prosty w konfiguracji od strony użytkownika</a:t>
+            </a:r>
+          </a:p>
+          <a:p>
+            <a:pPr>
+              <a:buFont typeface="Wingdings" panose="05000000000000000000" pitchFamily="2" charset="2"/>
+              <a:buChar char="§"/>
+            </a:pPr>
+            <a:r>
+              <a:rPr lang="pl-PL" dirty="0"/>
+              <a:t>Szybszy niż L2TP, PPTP oraz SSTP</a:t>
+            </a:r>
+          </a:p>
+          <a:p>
+            <a:pPr>
+              <a:buFont typeface="Wingdings" panose="05000000000000000000" pitchFamily="2" charset="2"/>
+              <a:buChar char="§"/>
+            </a:pPr>
+            <a:r>
+              <a:rPr lang="pl-PL" dirty="0"/>
+              <a:t>Skomplikowana konfiguracja po stronie serwera</a:t>
+            </a:r>
+          </a:p>
+          <a:p>
+            <a:pPr>
+              <a:buFont typeface="Wingdings" panose="05000000000000000000" pitchFamily="2" charset="2"/>
+              <a:buChar char="§"/>
+            </a:pPr>
+            <a:r>
+              <a:rPr lang="pl-PL" dirty="0"/>
+              <a:t>Ograniczona liczba obsługiwanych platform</a:t>
+            </a:r>
+          </a:p>
+          <a:p>
+            <a:pPr>
+              <a:buFont typeface="Wingdings" panose="05000000000000000000" pitchFamily="2" charset="2"/>
+              <a:buChar char="§"/>
+            </a:pPr>
+            <a:endParaRPr lang="pl-PL" dirty="0"/>
+          </a:p>
+        </p:txBody>
+      </p:sp>
+      <p:sp>
+        <p:nvSpPr>
+          <p:cNvPr id="3" name="Symbol zastępczy tekstu 2">
+            <a:extLst>
+              <a:ext uri="{FF2B5EF4-FFF2-40B4-BE49-F238E27FC236}">
+                <a16:creationId xmlns:a16="http://schemas.microsoft.com/office/drawing/2014/main" id="{73AE311E-459C-4093-B816-126F8D0193E2}"/>
+              </a:ext>
+            </a:extLst>
+          </p:cNvPr>
+          <p:cNvSpPr>
+            <a:spLocks noGrp="1"/>
+          </p:cNvSpPr>
+          <p:nvPr>
+            <p:ph type="body" idx="10"/>
+          </p:nvPr>
+        </p:nvSpPr>
+        <p:spPr/>
+        <p:txBody>
+          <a:bodyPr/>
+          <a:lstStyle/>
+          <a:p>
+            <a:endParaRPr lang="pl-PL"/>
+          </a:p>
+        </p:txBody>
+      </p:sp>
+      <p:sp>
+        <p:nvSpPr>
+          <p:cNvPr id="4" name="Symbol zastępczy tekstu 3">
+            <a:extLst>
+              <a:ext uri="{FF2B5EF4-FFF2-40B4-BE49-F238E27FC236}">
+                <a16:creationId xmlns:a16="http://schemas.microsoft.com/office/drawing/2014/main" id="{76C394F1-76A5-4FC8-A098-ED02FDFE5034}"/>
+              </a:ext>
+            </a:extLst>
+          </p:cNvPr>
+          <p:cNvSpPr>
+            <a:spLocks noGrp="1"/>
+          </p:cNvSpPr>
+          <p:nvPr>
+            <p:ph type="body" idx="11"/>
+          </p:nvPr>
+        </p:nvSpPr>
+        <p:spPr/>
+        <p:txBody>
+          <a:bodyPr/>
+          <a:lstStyle/>
+          <a:p>
+            <a:r>
+              <a:rPr lang="pl-PL" dirty="0"/>
+              <a:t>Internet </a:t>
+            </a:r>
+            <a:r>
+              <a:rPr lang="pl-PL" dirty="0" err="1"/>
+              <a:t>Key</a:t>
+            </a:r>
+            <a:r>
+              <a:rPr lang="pl-PL" dirty="0"/>
+              <a:t> Exchange v2</a:t>
+            </a:r>
+          </a:p>
+        </p:txBody>
+      </p:sp>
+    </p:spTree>
+    <p:extLst>
+      <p:ext uri="{BB962C8B-B14F-4D97-AF65-F5344CB8AC3E}">
+        <p14:creationId xmlns:p14="http://schemas.microsoft.com/office/powerpoint/2010/main" val="2972248603"/>
+      </p:ext>
+    </p:extLst>
+  </p:cSld>
+  <p:clrMapOvr>
+    <a:masterClrMapping/>
+  </p:clrMapOvr>
+  <p:transition>
+    <p:randomBar/>
+  </p:transition>
+</p:sld>
+</file>
+
+<file path=ppt/slides/slide12.xml><?xml version="1.0" encoding="utf-8"?>
+<p:sld xmlns:a="http://schemas.openxmlformats.org/drawingml/2006/main" xmlns:r="http://schemas.openxmlformats.org/officeDocument/2006/relationships" xmlns:p="http://schemas.openxmlformats.org/presentationml/2006/main">
+  <p:cSld>
+    <p:spTree>
+      <p:nvGrpSpPr>
+        <p:cNvPr id="1" name=""/>
+        <p:cNvGrpSpPr/>
+        <p:nvPr/>
+      </p:nvGrpSpPr>
+      <p:grpSpPr>
+        <a:xfrm>
+          <a:off x="0" y="0"/>
+          <a:ext cx="0" cy="0"/>
+          <a:chOff x="0" y="0"/>
+          <a:chExt cx="0" cy="0"/>
+        </a:xfrm>
+      </p:grpSpPr>
+      <p:pic>
+        <p:nvPicPr>
+          <p:cNvPr id="3" name="Symbol zastępczy zawartości 2">
+            <a:extLst>
+              <a:ext uri="{FF2B5EF4-FFF2-40B4-BE49-F238E27FC236}">
+                <a16:creationId xmlns:a16="http://schemas.microsoft.com/office/drawing/2014/main" id="{FD4FDF3C-185F-4194-B309-F0050732C1CB}"/>
+              </a:ext>
+            </a:extLst>
+          </p:cNvPr>
+          <p:cNvPicPr>
+            <a:picLocks noGrp="1" noChangeAspect="1"/>
+          </p:cNvPicPr>
+          <p:nvPr>
+            <p:ph sz="half" idx="1"/>
+          </p:nvPr>
+        </p:nvPicPr>
+        <p:blipFill>
+          <a:blip r:embed="rId2">
+            <a:extLst>
+              <a:ext uri="{28A0092B-C50C-407E-A947-70E740481C1C}">
+                <a14:useLocalDpi xmlns:a14="http://schemas.microsoft.com/office/drawing/2010/main" val="0"/>
+              </a:ext>
+            </a:extLst>
+          </a:blip>
+          <a:stretch>
+            <a:fillRect/>
+          </a:stretch>
+        </p:blipFill>
+        <p:spPr>
+          <a:xfrm>
+            <a:off x="738510" y="1086619"/>
+            <a:ext cx="4008173" cy="5514818"/>
+          </a:xfrm>
+        </p:spPr>
+      </p:pic>
+      <p:pic>
+        <p:nvPicPr>
+          <p:cNvPr id="5" name="Symbol zastępczy zawartości 4">
+            <a:extLst>
+              <a:ext uri="{FF2B5EF4-FFF2-40B4-BE49-F238E27FC236}">
+                <a16:creationId xmlns:a16="http://schemas.microsoft.com/office/drawing/2014/main" id="{4D608426-10D0-45DE-94F3-BBB4FFBF43AA}"/>
+              </a:ext>
+            </a:extLst>
+          </p:cNvPr>
+          <p:cNvPicPr>
+            <a:picLocks noGrp="1" noChangeAspect="1"/>
+          </p:cNvPicPr>
+          <p:nvPr>
+            <p:ph sz="half" idx="11"/>
+          </p:nvPr>
+        </p:nvPicPr>
+        <p:blipFill>
+          <a:blip r:embed="rId3">
+            <a:extLst>
+              <a:ext uri="{28A0092B-C50C-407E-A947-70E740481C1C}">
+                <a14:useLocalDpi xmlns:a14="http://schemas.microsoft.com/office/drawing/2010/main" val="0"/>
+              </a:ext>
+            </a:extLst>
+          </a:blip>
+          <a:stretch>
+            <a:fillRect/>
+          </a:stretch>
+        </p:blipFill>
+        <p:spPr>
+          <a:xfrm>
+            <a:off x="4746683" y="1090786"/>
+            <a:ext cx="4192806" cy="5514818"/>
+          </a:xfrm>
+        </p:spPr>
+      </p:pic>
+      <p:sp>
+        <p:nvSpPr>
+          <p:cNvPr id="17412" name="Symbol zastępczy tekstu 3">
+            <a:extLst>
+              <a:ext uri="{FF2B5EF4-FFF2-40B4-BE49-F238E27FC236}">
+                <a16:creationId xmlns:a16="http://schemas.microsoft.com/office/drawing/2014/main" id="{ED01540D-822A-4B32-B6F0-47B7A7733656}"/>
+              </a:ext>
+            </a:extLst>
+          </p:cNvPr>
+          <p:cNvSpPr>
+            <a:spLocks noGrp="1"/>
+          </p:cNvSpPr>
+          <p:nvPr>
+            <p:ph type="body" idx="12"/>
+          </p:nvPr>
+        </p:nvSpPr>
+        <p:spPr>
+          <a:xfrm>
+            <a:off x="755650" y="115888"/>
+            <a:ext cx="8262938" cy="865187"/>
+          </a:xfrm>
+        </p:spPr>
+        <p:txBody>
+          <a:bodyPr/>
+          <a:lstStyle/>
+          <a:p>
+            <a:r>
+              <a:rPr lang="pl-PL" altLang="pl-PL" dirty="0"/>
+              <a:t>Statystyki użytkowania w 2017 r.</a:t>
+            </a:r>
+          </a:p>
+        </p:txBody>
+      </p:sp>
+    </p:spTree>
+  </p:cSld>
+  <p:clrMapOvr>
+    <a:masterClrMapping/>
+  </p:clrMapOvr>
+  <p:transition>
+    <p:randomBar/>
+  </p:transition>
+</p:sld>
+</file>
+
+<file path=ppt/slides/slide13.xml><?xml version="1.0" encoding="utf-8"?>
+<p:sld xmlns:a="http://schemas.openxmlformats.org/drawingml/2006/main" xmlns:r="http://schemas.openxmlformats.org/officeDocument/2006/relationships" xmlns:p="http://schemas.openxmlformats.org/presentationml/2006/main">
+  <p:cSld>
+    <p:spTree>
+      <p:nvGrpSpPr>
+        <p:cNvPr id="1" name=""/>
+        <p:cNvGrpSpPr/>
+        <p:nvPr/>
+      </p:nvGrpSpPr>
+      <p:grpSpPr>
+        <a:xfrm>
+          <a:off x="0" y="0"/>
+          <a:ext cx="0" cy="0"/>
+          <a:chOff x="0" y="0"/>
+          <a:chExt cx="0" cy="0"/>
+        </a:xfrm>
+      </p:grpSpPr>
+      <p:sp>
+        <p:nvSpPr>
+          <p:cNvPr id="4" name="Symbol zastępczy tekstu 3">
+            <a:extLst>
+              <a:ext uri="{FF2B5EF4-FFF2-40B4-BE49-F238E27FC236}">
+                <a16:creationId xmlns:a16="http://schemas.microsoft.com/office/drawing/2014/main" id="{CFA756BE-B71C-4DB5-90D2-D26AC70B95A9}"/>
+              </a:ext>
+            </a:extLst>
+          </p:cNvPr>
+          <p:cNvSpPr>
+            <a:spLocks noGrp="1"/>
+          </p:cNvSpPr>
+          <p:nvPr>
+            <p:ph type="body" idx="10"/>
+          </p:nvPr>
+        </p:nvSpPr>
+        <p:spPr/>
+        <p:txBody>
+          <a:bodyPr/>
+          <a:lstStyle/>
+          <a:p>
+            <a:r>
+              <a:rPr lang="pl-PL" dirty="0"/>
+              <a:t>Ciekawostka</a:t>
+            </a:r>
+          </a:p>
+        </p:txBody>
+      </p:sp>
+      <p:sp>
+        <p:nvSpPr>
+          <p:cNvPr id="8" name="Symbol zastępczy tekstu 7">
+            <a:extLst>
+              <a:ext uri="{FF2B5EF4-FFF2-40B4-BE49-F238E27FC236}">
+                <a16:creationId xmlns:a16="http://schemas.microsoft.com/office/drawing/2014/main" id="{55394C60-74EB-404A-A0D6-C58016F165B4}"/>
+              </a:ext>
+            </a:extLst>
+          </p:cNvPr>
+          <p:cNvSpPr>
+            <a:spLocks noGrp="1"/>
+          </p:cNvSpPr>
+          <p:nvPr>
+            <p:ph type="body" idx="11"/>
+          </p:nvPr>
+        </p:nvSpPr>
+        <p:spPr>
+          <a:xfrm>
+            <a:off x="755575" y="620688"/>
+            <a:ext cx="7811066" cy="864096"/>
+          </a:xfrm>
+        </p:spPr>
+        <p:txBody>
+          <a:bodyPr/>
+          <a:lstStyle/>
+          <a:p>
+            <a:r>
+              <a:rPr lang="pl-PL" dirty="0"/>
+              <a:t>VPN i VNC - brzmi podobnie, ale…</a:t>
+            </a:r>
+          </a:p>
+        </p:txBody>
+      </p:sp>
+      <p:sp>
+        <p:nvSpPr>
+          <p:cNvPr id="13" name="Symbol zastępczy zawartości 12">
+            <a:extLst>
+              <a:ext uri="{FF2B5EF4-FFF2-40B4-BE49-F238E27FC236}">
+                <a16:creationId xmlns:a16="http://schemas.microsoft.com/office/drawing/2014/main" id="{8AACA663-8720-4D1E-A065-C79800764103}"/>
+              </a:ext>
+            </a:extLst>
+          </p:cNvPr>
+          <p:cNvSpPr>
+            <a:spLocks noGrp="1"/>
+          </p:cNvSpPr>
+          <p:nvPr>
+            <p:ph sz="half" idx="1"/>
+          </p:nvPr>
+        </p:nvSpPr>
+        <p:spPr>
+          <a:xfrm>
+            <a:off x="755575" y="1484784"/>
+            <a:ext cx="4464497" cy="2996952"/>
+          </a:xfrm>
+        </p:spPr>
+        <p:txBody>
+          <a:bodyPr/>
+          <a:lstStyle/>
+          <a:p>
+            <a:pPr marL="0" indent="0">
+              <a:buNone/>
+            </a:pPr>
+            <a:r>
+              <a:rPr lang="pl-PL" dirty="0"/>
+              <a:t> … trzeba wyjaśnić, że to nie to samo.</a:t>
+            </a:r>
+          </a:p>
+        </p:txBody>
+      </p:sp>
+      <p:pic>
+        <p:nvPicPr>
+          <p:cNvPr id="15" name="Obraz 14" descr="Obraz zawierający obiekt&#10;&#10;Opis wygenerowany przy wysokim poziomie pewności">
+            <a:extLst>
+              <a:ext uri="{FF2B5EF4-FFF2-40B4-BE49-F238E27FC236}">
+                <a16:creationId xmlns:a16="http://schemas.microsoft.com/office/drawing/2014/main" id="{B37102B1-9781-4C1C-8254-6AEE4147702B}"/>
+              </a:ext>
+            </a:extLst>
+          </p:cNvPr>
+          <p:cNvPicPr>
+            <a:picLocks noChangeAspect="1"/>
+          </p:cNvPicPr>
+          <p:nvPr/>
+        </p:nvPicPr>
+        <p:blipFill>
+          <a:blip r:embed="rId2">
+            <a:extLst>
+              <a:ext uri="{28A0092B-C50C-407E-A947-70E740481C1C}">
+                <a14:useLocalDpi xmlns:a14="http://schemas.microsoft.com/office/drawing/2010/main" val="0"/>
+              </a:ext>
+            </a:extLst>
+          </a:blip>
+          <a:stretch>
+            <a:fillRect/>
+          </a:stretch>
+        </p:blipFill>
+        <p:spPr>
+          <a:xfrm>
+            <a:off x="5220072" y="1484784"/>
+            <a:ext cx="3346569" cy="2996952"/>
+          </a:xfrm>
+          <a:prstGeom prst="rect">
+            <a:avLst/>
+          </a:prstGeom>
+        </p:spPr>
+      </p:pic>
+      <p:sp>
+        <p:nvSpPr>
+          <p:cNvPr id="16" name="Symbol zastępczy zawartości 12">
+            <a:extLst>
+              <a:ext uri="{FF2B5EF4-FFF2-40B4-BE49-F238E27FC236}">
+                <a16:creationId xmlns:a16="http://schemas.microsoft.com/office/drawing/2014/main" id="{61816CA0-BFEC-4076-AE06-E97F5C9CAE02}"/>
+              </a:ext>
+            </a:extLst>
+          </p:cNvPr>
+          <p:cNvSpPr txBox="1">
+            <a:spLocks/>
+          </p:cNvSpPr>
+          <p:nvPr/>
+        </p:nvSpPr>
+        <p:spPr bwMode="auto">
+          <a:xfrm>
+            <a:off x="755575" y="4481736"/>
+            <a:ext cx="7811066" cy="2259632"/>
+          </a:xfrm>
+          <a:prstGeom prst="rect">
+            <a:avLst/>
+          </a:prstGeom>
+          <a:noFill/>
+          <a:ln>
+            <a:noFill/>
+          </a:ln>
+          <a:effectLst/>
+          <a:extLst>
+            <a:ext uri="{909E8E84-426E-40DD-AFC4-6F175D3DCCD1}">
+              <a14:hiddenFill xmlns:a14="http://schemas.microsoft.com/office/drawing/2010/main">
+                <a:solidFill>
+                  <a:schemeClr val="accent1"/>
+                </a:solidFill>
+              </a14:hiddenFill>
+            </a:ext>
+            <a:ext uri="{91240B29-F687-4F45-9708-019B960494DF}">
+              <a14:hiddenLine xmlns:a14="http://schemas.microsoft.com/office/drawing/2010/main" w="9525">
+                <a:solidFill>
+                  <a:schemeClr val="tx1"/>
+                </a:solidFill>
+                <a:miter lim="800000"/>
+                <a:headEnd/>
+                <a:tailEnd/>
+              </a14:hiddenLine>
+            </a:ext>
+            <a:ext uri="{AF507438-7753-43E0-B8FC-AC1667EBCBE1}">
+              <a14:hiddenEffects xmlns:a14="http://schemas.microsoft.com/office/drawing/2010/main">
+                <a:effectLst>
+                  <a:outerShdw dist="35921" dir="2700000" algn="ctr" rotWithShape="0">
+                    <a:schemeClr val="bg2"/>
+                  </a:outerShdw>
+                </a:effectLst>
+              </a14:hiddenEffects>
+            </a:ext>
+          </a:extLst>
+        </p:spPr>
+        <p:txBody>
+          <a:bodyPr vert="horz" wrap="square" lIns="0" tIns="45720" rIns="0" bIns="45720" numCol="1" anchor="t" anchorCtr="0" compatLnSpc="1">
+            <a:prstTxWarp prst="textNoShape">
+              <a:avLst/>
+            </a:prstTxWarp>
+          </a:bodyPr>
+          <a:lstStyle>
+            <a:lvl1pPr marL="342900" indent="-342900" algn="l" rtl="0" eaLnBrk="1" fontAlgn="base" hangingPunct="1">
+              <a:spcBef>
+                <a:spcPct val="20000"/>
+              </a:spcBef>
+              <a:spcAft>
+                <a:spcPct val="0"/>
+              </a:spcAft>
+              <a:buChar char="•"/>
+              <a:defRPr sz="2800">
+                <a:solidFill>
+                  <a:schemeClr val="tx1"/>
+                </a:solidFill>
+                <a:latin typeface="Calibri" panose="020F0502020204030204" pitchFamily="34" charset="0"/>
+                <a:ea typeface="+mn-ea"/>
+                <a:cs typeface="+mn-cs"/>
+              </a:defRPr>
+            </a:lvl1pPr>
+            <a:lvl2pPr marL="742950" indent="-285750" algn="l" rtl="0" eaLnBrk="1" fontAlgn="base" hangingPunct="1">
+              <a:spcBef>
+                <a:spcPct val="20000"/>
+              </a:spcBef>
+              <a:spcAft>
+                <a:spcPct val="0"/>
+              </a:spcAft>
+              <a:buChar char="–"/>
+              <a:defRPr sz="2400">
+                <a:solidFill>
+                  <a:schemeClr val="tx1"/>
+                </a:solidFill>
+                <a:latin typeface="Calibri" panose="020F0502020204030204" pitchFamily="34" charset="0"/>
+              </a:defRPr>
+            </a:lvl2pPr>
+            <a:lvl3pPr marL="1143000" indent="-228600" algn="l" rtl="0" eaLnBrk="1" fontAlgn="base" hangingPunct="1">
+              <a:spcBef>
+                <a:spcPct val="20000"/>
+              </a:spcBef>
+              <a:spcAft>
+                <a:spcPct val="0"/>
+              </a:spcAft>
+              <a:buChar char="•"/>
+              <a:defRPr sz="2000">
+                <a:solidFill>
+                  <a:schemeClr val="tx1"/>
+                </a:solidFill>
+                <a:latin typeface="Calibri" panose="020F0502020204030204" pitchFamily="34" charset="0"/>
+              </a:defRPr>
+            </a:lvl3pPr>
+            <a:lvl4pPr marL="1600200" indent="-228600" algn="l" rtl="0" eaLnBrk="1" fontAlgn="base" hangingPunct="1">
+              <a:spcBef>
+                <a:spcPct val="20000"/>
+              </a:spcBef>
+              <a:spcAft>
+                <a:spcPct val="0"/>
+              </a:spcAft>
+              <a:buChar char="–"/>
+              <a:defRPr sz="1800">
+                <a:solidFill>
+                  <a:schemeClr val="tx1"/>
+                </a:solidFill>
+                <a:latin typeface="Calibri" panose="020F0502020204030204" pitchFamily="34" charset="0"/>
+              </a:defRPr>
+            </a:lvl4pPr>
+            <a:lvl5pPr marL="2057400" indent="-228600" algn="l" rtl="0" eaLnBrk="1" fontAlgn="base" hangingPunct="1">
+              <a:spcBef>
+                <a:spcPct val="20000"/>
+              </a:spcBef>
+              <a:spcAft>
+                <a:spcPct val="0"/>
+              </a:spcAft>
+              <a:buChar char="»"/>
+              <a:defRPr sz="1800">
+                <a:solidFill>
+                  <a:schemeClr val="tx1"/>
+                </a:solidFill>
+                <a:latin typeface="Calibri" panose="020F0502020204030204" pitchFamily="34" charset="0"/>
+              </a:defRPr>
+            </a:lvl5pPr>
+            <a:lvl6pPr marL="2514600" indent="-228600" algn="l" rtl="0" eaLnBrk="1" fontAlgn="base" hangingPunct="1">
+              <a:spcBef>
+                <a:spcPct val="20000"/>
+              </a:spcBef>
+              <a:spcAft>
+                <a:spcPct val="0"/>
+              </a:spcAft>
+              <a:buChar char="»"/>
+              <a:defRPr sz="1800">
+                <a:solidFill>
+                  <a:schemeClr val="tx1"/>
+                </a:solidFill>
+                <a:latin typeface="+mn-lt"/>
+              </a:defRPr>
+            </a:lvl6pPr>
+            <a:lvl7pPr marL="2971800" indent="-228600" algn="l" rtl="0" eaLnBrk="1" fontAlgn="base" hangingPunct="1">
+              <a:spcBef>
+                <a:spcPct val="20000"/>
+              </a:spcBef>
+              <a:spcAft>
+                <a:spcPct val="0"/>
+              </a:spcAft>
+              <a:buChar char="»"/>
+              <a:defRPr sz="1800">
+                <a:solidFill>
+                  <a:schemeClr val="tx1"/>
+                </a:solidFill>
+                <a:latin typeface="+mn-lt"/>
+              </a:defRPr>
+            </a:lvl7pPr>
+            <a:lvl8pPr marL="3429000" indent="-228600" algn="l" rtl="0" eaLnBrk="1" fontAlgn="base" hangingPunct="1">
+              <a:spcBef>
+                <a:spcPct val="20000"/>
+              </a:spcBef>
+              <a:spcAft>
+                <a:spcPct val="0"/>
+              </a:spcAft>
+              <a:buChar char="»"/>
+              <a:defRPr sz="1800">
+                <a:solidFill>
+                  <a:schemeClr val="tx1"/>
+                </a:solidFill>
+                <a:latin typeface="+mn-lt"/>
+              </a:defRPr>
+            </a:lvl8pPr>
+            <a:lvl9pPr marL="3886200" indent="-228600" algn="l" rtl="0" eaLnBrk="1" fontAlgn="base" hangingPunct="1">
+              <a:spcBef>
+                <a:spcPct val="20000"/>
+              </a:spcBef>
+              <a:spcAft>
+                <a:spcPct val="0"/>
+              </a:spcAft>
+              <a:buChar char="»"/>
+              <a:defRPr sz="1800">
+                <a:solidFill>
+                  <a:schemeClr val="tx1"/>
+                </a:solidFill>
+                <a:latin typeface="+mn-lt"/>
+              </a:defRPr>
+            </a:lvl9pPr>
+          </a:lstStyle>
+          <a:p>
+            <a:pPr marL="0" indent="0">
+              <a:buFontTx/>
+              <a:buNone/>
+            </a:pPr>
+            <a:r>
+              <a:rPr lang="pl-PL" kern="0" dirty="0"/>
+              <a:t>Bo to nie jest to samo.</a:t>
+            </a:r>
+          </a:p>
+        </p:txBody>
+      </p:sp>
+    </p:spTree>
+    <p:extLst>
+      <p:ext uri="{BB962C8B-B14F-4D97-AF65-F5344CB8AC3E}">
+        <p14:creationId xmlns:p14="http://schemas.microsoft.com/office/powerpoint/2010/main" val="2189758906"/>
+      </p:ext>
+    </p:extLst>
+  </p:cSld>
+  <p:clrMapOvr>
+    <a:masterClrMapping/>
+  </p:clrMapOvr>
+  <p:transition>
+    <p:randomBar/>
+  </p:transition>
+</p:sld>
+</file>
+
+<file path=ppt/slides/slide14.xml><?xml version="1.0" encoding="utf-8"?>
+<p:sld xmlns:a="http://schemas.openxmlformats.org/drawingml/2006/main" xmlns:r="http://schemas.openxmlformats.org/officeDocument/2006/relationships" xmlns:p="http://schemas.openxmlformats.org/presentationml/2006/main">
+  <p:cSld>
+    <p:spTree>
+      <p:nvGrpSpPr>
+        <p:cNvPr id="1" name=""/>
+        <p:cNvGrpSpPr/>
+        <p:nvPr/>
+      </p:nvGrpSpPr>
+      <p:grpSpPr>
+        <a:xfrm>
+          <a:off x="0" y="0"/>
+          <a:ext cx="0" cy="0"/>
+          <a:chOff x="0" y="0"/>
+          <a:chExt cx="0" cy="0"/>
+        </a:xfrm>
+      </p:grpSpPr>
+      <p:sp>
+        <p:nvSpPr>
+          <p:cNvPr id="7" name="Symbol zastępczy zawartości 6">
+            <a:extLst>
+              <a:ext uri="{FF2B5EF4-FFF2-40B4-BE49-F238E27FC236}">
+                <a16:creationId xmlns:a16="http://schemas.microsoft.com/office/drawing/2014/main" id="{46486BF5-BE59-4EAB-98F7-C7E5BF312FE6}"/>
+              </a:ext>
+            </a:extLst>
+          </p:cNvPr>
+          <p:cNvSpPr>
+            <a:spLocks noGrp="1"/>
+          </p:cNvSpPr>
+          <p:nvPr>
+            <p:ph sz="half" idx="1"/>
+          </p:nvPr>
+        </p:nvSpPr>
+        <p:spPr/>
+        <p:txBody>
+          <a:bodyPr/>
+          <a:lstStyle/>
+          <a:p>
+            <a:pPr marL="0" indent="0">
+              <a:buNone/>
+            </a:pPr>
+            <a:r>
+              <a:rPr lang="pl-PL" dirty="0"/>
+              <a:t>[1] VPN Mentor [online] [dostęp: 16.12.2017], dostępny w Internecie: https://pl.vpnmentor.com/</a:t>
+            </a:r>
+          </a:p>
+          <a:p>
+            <a:pPr marL="0" indent="0">
+              <a:buNone/>
+            </a:pPr>
+            <a:r>
+              <a:rPr lang="pl-PL" dirty="0"/>
+              <a:t>[2]Microsoft TechNet [online] [dostęp: 17.12.2017], dostępny w Internecie: https://technet.microsoft.com/</a:t>
+            </a:r>
+          </a:p>
+        </p:txBody>
+      </p:sp>
+      <p:sp>
+        <p:nvSpPr>
+          <p:cNvPr id="8" name="Symbol zastępczy tekstu 7">
+            <a:extLst>
+              <a:ext uri="{FF2B5EF4-FFF2-40B4-BE49-F238E27FC236}">
+                <a16:creationId xmlns:a16="http://schemas.microsoft.com/office/drawing/2014/main" id="{7C29B93D-9650-4B6F-83BB-4D7BE4E362E8}"/>
+              </a:ext>
+            </a:extLst>
+          </p:cNvPr>
+          <p:cNvSpPr>
+            <a:spLocks noGrp="1"/>
+          </p:cNvSpPr>
+          <p:nvPr>
+            <p:ph type="body" idx="10"/>
+          </p:nvPr>
+        </p:nvSpPr>
+        <p:spPr/>
+        <p:txBody>
+          <a:bodyPr/>
+          <a:lstStyle/>
+          <a:p>
+            <a:endParaRPr lang="pl-PL"/>
+          </a:p>
+        </p:txBody>
+      </p:sp>
+      <p:sp>
+        <p:nvSpPr>
+          <p:cNvPr id="9" name="Symbol zastępczy tekstu 8">
+            <a:extLst>
+              <a:ext uri="{FF2B5EF4-FFF2-40B4-BE49-F238E27FC236}">
+                <a16:creationId xmlns:a16="http://schemas.microsoft.com/office/drawing/2014/main" id="{60A5B928-E900-415C-9617-53A95C19E4EE}"/>
+              </a:ext>
+            </a:extLst>
+          </p:cNvPr>
+          <p:cNvSpPr>
+            <a:spLocks noGrp="1"/>
+          </p:cNvSpPr>
+          <p:nvPr>
+            <p:ph type="body" idx="11"/>
+          </p:nvPr>
+        </p:nvSpPr>
+        <p:spPr/>
+        <p:txBody>
+          <a:bodyPr/>
+          <a:lstStyle/>
+          <a:p>
+            <a:r>
+              <a:rPr lang="pl-PL" dirty="0"/>
+              <a:t>Bibliografia</a:t>
+            </a:r>
+          </a:p>
+        </p:txBody>
+      </p:sp>
+    </p:spTree>
+    <p:extLst>
+      <p:ext uri="{BB962C8B-B14F-4D97-AF65-F5344CB8AC3E}">
+        <p14:creationId xmlns:p14="http://schemas.microsoft.com/office/powerpoint/2010/main" val="530569695"/>
+      </p:ext>
+    </p:extLst>
+  </p:cSld>
+  <p:clrMapOvr>
+    <a:masterClrMapping/>
+  </p:clrMapOvr>
+  <p:transition>
+    <p:randomBar/>
+  </p:transition>
+</p:sld>
+</file>
+
+<file path=ppt/slides/slide15.xml><?xml version="1.0" encoding="utf-8"?>
+<p:sld xmlns:a="http://schemas.openxmlformats.org/drawingml/2006/main" xmlns:r="http://schemas.openxmlformats.org/officeDocument/2006/relationships" xmlns:p="http://schemas.openxmlformats.org/presentationml/2006/main">
+  <p:cSld>
+    <p:spTree>
+      <p:nvGrpSpPr>
+        <p:cNvPr id="1" name=""/>
+        <p:cNvGrpSpPr/>
+        <p:nvPr/>
+      </p:nvGrpSpPr>
+      <p:grpSpPr>
+        <a:xfrm>
+          <a:off x="0" y="0"/>
+          <a:ext cx="0" cy="0"/>
+          <a:chOff x="0" y="0"/>
+          <a:chExt cx="0" cy="0"/>
+        </a:xfrm>
+      </p:grpSpPr>
+      <p:sp>
+        <p:nvSpPr>
+          <p:cNvPr id="2" name="Symbol zastępczy zawartości 1">
+            <a:extLst>
+              <a:ext uri="{FF2B5EF4-FFF2-40B4-BE49-F238E27FC236}">
                 <a16:creationId xmlns:a16="http://schemas.microsoft.com/office/drawing/2014/main" id="{37EB9372-BA2A-4E2E-B598-2E6DF9F18BC1}"/>
               </a:ext>
             </a:extLst>
@@ -6844,12 +8147,6 @@
             <a:r>
               <a:rPr lang="pl-PL" altLang="pl-PL" dirty="0"/>
               <a:t>Prawo, a VPN</a:t>
-            </a:r>
-          </a:p>
-          <a:p>
-            <a:r>
-              <a:rPr lang="pl-PL" altLang="pl-PL" dirty="0"/>
-              <a:t>Jak używać VPN w domu</a:t>
             </a:r>
           </a:p>
           <a:p>
@@ -7743,21 +9040,186 @@
           <a:chExt cx="0" cy="0"/>
         </a:xfrm>
       </p:grpSpPr>
-      <p:pic>
-        <p:nvPicPr>
-          <p:cNvPr id="3" name="Symbol zastępczy zawartości 2">
+      <p:sp>
+        <p:nvSpPr>
+          <p:cNvPr id="6" name="Symbol zastępczy zawartości 5">
             <a:extLst>
               <a:ext uri="{FF2B5EF4-FFF2-40B4-BE49-F238E27FC236}">
-                <a16:creationId xmlns:a16="http://schemas.microsoft.com/office/drawing/2014/main" id="{FD4FDF3C-185F-4194-B309-F0050732C1CB}"/>
+                <a16:creationId xmlns:a16="http://schemas.microsoft.com/office/drawing/2014/main" id="{713B6A0B-D64C-4C04-8F88-AD72D9F529FA}"/>
               </a:ext>
             </a:extLst>
           </p:cNvPr>
-          <p:cNvPicPr>
-            <a:picLocks noGrp="1" noChangeAspect="1"/>
-          </p:cNvPicPr>
+          <p:cNvSpPr>
+            <a:spLocks noGrp="1"/>
+          </p:cNvSpPr>
           <p:nvPr>
             <p:ph sz="half" idx="1"/>
           </p:nvPr>
+        </p:nvSpPr>
+        <p:spPr>
+          <a:xfrm>
+            <a:off x="755575" y="1556792"/>
+            <a:ext cx="6048673" cy="5256584"/>
+          </a:xfrm>
+        </p:spPr>
+        <p:txBody>
+          <a:bodyPr/>
+          <a:lstStyle/>
+          <a:p>
+            <a:pPr>
+              <a:buFont typeface="Wingdings" panose="05000000000000000000" pitchFamily="2" charset="2"/>
+              <a:buChar char="§"/>
+            </a:pPr>
+            <a:r>
+              <a:rPr lang="pl-PL" dirty="0"/>
+              <a:t>Opracowany przez Microsoft</a:t>
+            </a:r>
+          </a:p>
+          <a:p>
+            <a:pPr>
+              <a:buFont typeface="Wingdings" panose="05000000000000000000" pitchFamily="2" charset="2"/>
+              <a:buChar char="§"/>
+            </a:pPr>
+            <a:r>
+              <a:rPr lang="pl-PL" dirty="0"/>
+              <a:t>Prosty w konfiguracji</a:t>
+            </a:r>
+          </a:p>
+          <a:p>
+            <a:pPr>
+              <a:buFont typeface="Wingdings" panose="05000000000000000000" pitchFamily="2" charset="2"/>
+              <a:buChar char="§"/>
+            </a:pPr>
+            <a:r>
+              <a:rPr lang="pl-PL" dirty="0"/>
+              <a:t>Szybki</a:t>
+            </a:r>
+          </a:p>
+          <a:p>
+            <a:pPr>
+              <a:buFont typeface="Wingdings" panose="05000000000000000000" pitchFamily="2" charset="2"/>
+              <a:buChar char="§"/>
+            </a:pPr>
+            <a:r>
+              <a:rPr lang="pl-PL" dirty="0"/>
+              <a:t>Szyfrowanie 128 –bit</a:t>
+            </a:r>
+          </a:p>
+          <a:p>
+            <a:pPr>
+              <a:buFont typeface="Wingdings" panose="05000000000000000000" pitchFamily="2" charset="2"/>
+              <a:buChar char="§"/>
+            </a:pPr>
+            <a:r>
+              <a:rPr lang="pl-PL" dirty="0"/>
+              <a:t>MS-CHAP 2</a:t>
+            </a:r>
+          </a:p>
+          <a:p>
+            <a:pPr>
+              <a:buFont typeface="Wingdings" panose="05000000000000000000" pitchFamily="2" charset="2"/>
+              <a:buChar char="§"/>
+            </a:pPr>
+            <a:r>
+              <a:rPr lang="pl-PL" dirty="0"/>
+              <a:t>Zawiera błędy narażające na wycieki danych</a:t>
+            </a:r>
+          </a:p>
+          <a:p>
+            <a:pPr>
+              <a:buFont typeface="Wingdings" panose="05000000000000000000" pitchFamily="2" charset="2"/>
+              <a:buChar char="§"/>
+            </a:pPr>
+            <a:r>
+              <a:rPr lang="pl-PL" dirty="0"/>
+              <a:t>Zagrożony przez NSA</a:t>
+            </a:r>
+          </a:p>
+        </p:txBody>
+      </p:sp>
+      <p:sp>
+        <p:nvSpPr>
+          <p:cNvPr id="7" name="Symbol zastępczy tekstu 6">
+            <a:extLst>
+              <a:ext uri="{FF2B5EF4-FFF2-40B4-BE49-F238E27FC236}">
+                <a16:creationId xmlns:a16="http://schemas.microsoft.com/office/drawing/2014/main" id="{5B88595F-3B2F-49F8-8DE5-1622C88D2CD0}"/>
+              </a:ext>
+            </a:extLst>
+          </p:cNvPr>
+          <p:cNvSpPr>
+            <a:spLocks noGrp="1"/>
+          </p:cNvSpPr>
+          <p:nvPr>
+            <p:ph type="body" idx="10"/>
+          </p:nvPr>
+        </p:nvSpPr>
+        <p:spPr/>
+        <p:txBody>
+          <a:bodyPr/>
+          <a:lstStyle/>
+          <a:p>
+            <a:endParaRPr lang="pl-PL"/>
+          </a:p>
+        </p:txBody>
+      </p:sp>
+      <p:sp>
+        <p:nvSpPr>
+          <p:cNvPr id="8" name="Symbol zastępczy tekstu 7">
+            <a:extLst>
+              <a:ext uri="{FF2B5EF4-FFF2-40B4-BE49-F238E27FC236}">
+                <a16:creationId xmlns:a16="http://schemas.microsoft.com/office/drawing/2014/main" id="{B4FCC685-860D-4476-8D92-740F21B3B65F}"/>
+              </a:ext>
+            </a:extLst>
+          </p:cNvPr>
+          <p:cNvSpPr>
+            <a:spLocks noGrp="1"/>
+          </p:cNvSpPr>
+          <p:nvPr>
+            <p:ph type="body" idx="11"/>
+          </p:nvPr>
+        </p:nvSpPr>
+        <p:spPr/>
+        <p:txBody>
+          <a:bodyPr/>
+          <a:lstStyle/>
+          <a:p>
+            <a:r>
+              <a:rPr lang="pl-PL" dirty="0" err="1"/>
+              <a:t>Point-to-poinT</a:t>
+            </a:r>
+            <a:r>
+              <a:rPr lang="pl-PL" dirty="0"/>
+              <a:t> </a:t>
+            </a:r>
+            <a:r>
+              <a:rPr lang="pl-PL" dirty="0" err="1"/>
+              <a:t>Tunneling</a:t>
+            </a:r>
+            <a:r>
+              <a:rPr lang="pl-PL" dirty="0"/>
+              <a:t> </a:t>
+            </a:r>
+            <a:r>
+              <a:rPr lang="pl-PL" dirty="0" err="1"/>
+              <a:t>Protocol</a:t>
+            </a:r>
+            <a:endParaRPr lang="pl-PL" dirty="0"/>
+          </a:p>
+        </p:txBody>
+      </p:sp>
+      <p:pic>
+        <p:nvPicPr>
+          <p:cNvPr id="16" name="Obraz 15">
+            <a:extLst>
+              <a:ext uri="{FF2B5EF4-FFF2-40B4-BE49-F238E27FC236}">
+                <a16:creationId xmlns:a16="http://schemas.microsoft.com/office/drawing/2014/main" id="{20237A93-61DB-4EBD-A189-BA16D39ABA7B}"/>
+              </a:ext>
+            </a:extLst>
+          </p:cNvPr>
+          <p:cNvPicPr>
+            <a:picLocks noChangeAspect="1"/>
+          </p:cNvPicPr>
+          <p:nvPr/>
         </p:nvPicPr>
         <p:blipFill>
           <a:blip r:embed="rId2">
@@ -7773,80 +9235,20 @@
         </p:blipFill>
         <p:spPr>
           <a:xfrm>
-            <a:off x="738510" y="1086619"/>
-            <a:ext cx="4008173" cy="5514818"/>
+            <a:off x="1331639" y="5646762"/>
+            <a:ext cx="7132594" cy="1094606"/>
           </a:xfrm>
+          <a:prstGeom prst="rect">
+            <a:avLst/>
+          </a:prstGeom>
         </p:spPr>
       </p:pic>
-      <p:pic>
-        <p:nvPicPr>
-          <p:cNvPr id="5" name="Symbol zastępczy zawartości 4">
-            <a:extLst>
-              <a:ext uri="{FF2B5EF4-FFF2-40B4-BE49-F238E27FC236}">
-                <a16:creationId xmlns:a16="http://schemas.microsoft.com/office/drawing/2014/main" id="{4D608426-10D0-45DE-94F3-BBB4FFBF43AA}"/>
-              </a:ext>
-            </a:extLst>
-          </p:cNvPr>
-          <p:cNvPicPr>
-            <a:picLocks noGrp="1" noChangeAspect="1"/>
-          </p:cNvPicPr>
-          <p:nvPr>
-            <p:ph sz="half" idx="11"/>
-          </p:nvPr>
-        </p:nvPicPr>
-        <p:blipFill>
-          <a:blip r:embed="rId3">
-            <a:extLst>
-              <a:ext uri="{28A0092B-C50C-407E-A947-70E740481C1C}">
-                <a14:useLocalDpi xmlns:a14="http://schemas.microsoft.com/office/drawing/2010/main" val="0"/>
-              </a:ext>
-            </a:extLst>
-          </a:blip>
-          <a:stretch>
-            <a:fillRect/>
-          </a:stretch>
-        </p:blipFill>
-        <p:spPr>
-          <a:xfrm>
-            <a:off x="4746683" y="1090786"/>
-            <a:ext cx="4192806" cy="5514818"/>
-          </a:xfrm>
-        </p:spPr>
-      </p:pic>
-      <p:sp>
-        <p:nvSpPr>
-          <p:cNvPr id="17412" name="Symbol zastępczy tekstu 3">
-            <a:extLst>
-              <a:ext uri="{FF2B5EF4-FFF2-40B4-BE49-F238E27FC236}">
-                <a16:creationId xmlns:a16="http://schemas.microsoft.com/office/drawing/2014/main" id="{ED01540D-822A-4B32-B6F0-47B7A7733656}"/>
-              </a:ext>
-            </a:extLst>
-          </p:cNvPr>
-          <p:cNvSpPr>
-            <a:spLocks noGrp="1"/>
-          </p:cNvSpPr>
-          <p:nvPr>
-            <p:ph type="body" idx="12"/>
-          </p:nvPr>
-        </p:nvSpPr>
-        <p:spPr>
-          <a:xfrm>
-            <a:off x="755650" y="115888"/>
-            <a:ext cx="8262938" cy="865187"/>
-          </a:xfrm>
-        </p:spPr>
-        <p:txBody>
-          <a:bodyPr/>
-          <a:lstStyle/>
-          <a:p>
-            <a:r>
-              <a:rPr lang="pl-PL" altLang="pl-PL" dirty="0"/>
-              <a:t>Statystyki użytkowania w 2017 r.</a:t>
-            </a:r>
-          </a:p>
-        </p:txBody>
-      </p:sp>
     </p:spTree>
+    <p:extLst>
+      <p:ext uri="{BB962C8B-B14F-4D97-AF65-F5344CB8AC3E}">
+        <p14:creationId xmlns:p14="http://schemas.microsoft.com/office/powerpoint/2010/main" val="2791389709"/>
+      </p:ext>
+    </p:extLst>
   </p:cSld>
   <p:clrMapOvr>
     <a:masterClrMapping/>
@@ -7876,10 +9278,10 @@
       </p:grpSpPr>
       <p:sp>
         <p:nvSpPr>
-          <p:cNvPr id="4" name="Symbol zastępczy tekstu 3">
+          <p:cNvPr id="2" name="Symbol zastępczy zawartości 1">
             <a:extLst>
               <a:ext uri="{FF2B5EF4-FFF2-40B4-BE49-F238E27FC236}">
-                <a16:creationId xmlns:a16="http://schemas.microsoft.com/office/drawing/2014/main" id="{CFA756BE-B71C-4DB5-90D2-D26AC70B95A9}"/>
+                <a16:creationId xmlns:a16="http://schemas.microsoft.com/office/drawing/2014/main" id="{17004562-81B8-4D28-8FF4-E8C3B41FBBD3}"/>
               </a:ext>
             </a:extLst>
           </p:cNvPr>
@@ -7887,60 +9289,81 @@
             <a:spLocks noGrp="1"/>
           </p:cNvSpPr>
           <p:nvPr>
-            <p:ph type="body" idx="10"/>
-          </p:nvPr>
-        </p:nvSpPr>
-        <p:spPr/>
-        <p:txBody>
-          <a:bodyPr/>
-          <a:lstStyle/>
-          <a:p>
-            <a:r>
-              <a:rPr lang="pl-PL" dirty="0"/>
-              <a:t>Ciekawostka</a:t>
-            </a:r>
-          </a:p>
-        </p:txBody>
-      </p:sp>
-      <p:sp>
-        <p:nvSpPr>
-          <p:cNvPr id="8" name="Symbol zastępczy tekstu 7">
-            <a:extLst>
-              <a:ext uri="{FF2B5EF4-FFF2-40B4-BE49-F238E27FC236}">
-                <a16:creationId xmlns:a16="http://schemas.microsoft.com/office/drawing/2014/main" id="{55394C60-74EB-404A-A0D6-C58016F165B4}"/>
-              </a:ext>
-            </a:extLst>
-          </p:cNvPr>
-          <p:cNvSpPr>
-            <a:spLocks noGrp="1"/>
-          </p:cNvSpPr>
-          <p:nvPr>
-            <p:ph type="body" idx="11"/>
+            <p:ph sz="half" idx="1"/>
           </p:nvPr>
         </p:nvSpPr>
         <p:spPr>
           <a:xfrm>
-            <a:off x="755575" y="620688"/>
-            <a:ext cx="7811066" cy="864096"/>
+            <a:off x="755575" y="1556792"/>
+            <a:ext cx="5544617" cy="5256584"/>
           </a:xfrm>
         </p:spPr>
         <p:txBody>
           <a:bodyPr/>
           <a:lstStyle/>
           <a:p>
+            <a:pPr>
+              <a:buFont typeface="Wingdings" panose="05000000000000000000" pitchFamily="2" charset="2"/>
+              <a:buChar char="§"/>
+            </a:pPr>
             <a:r>
               <a:rPr lang="pl-PL" dirty="0"/>
-              <a:t>VPN i VNC - brzmi podobnie, ale…</a:t>
+              <a:t>Samo L2TP nie zapewnia szyfrowania</a:t>
+            </a:r>
+          </a:p>
+          <a:p>
+            <a:pPr>
+              <a:buFont typeface="Wingdings" panose="05000000000000000000" pitchFamily="2" charset="2"/>
+              <a:buChar char="§"/>
+            </a:pPr>
+            <a:r>
+              <a:rPr lang="pl-PL" dirty="0"/>
+              <a:t>Szyfrowanie zapewnia pakiet </a:t>
+            </a:r>
+            <a:r>
+              <a:rPr lang="pl-PL" dirty="0" err="1"/>
+              <a:t>IPsec</a:t>
+            </a:r>
+            <a:endParaRPr lang="pl-PL" dirty="0"/>
+          </a:p>
+          <a:p>
+            <a:pPr>
+              <a:buFont typeface="Wingdings" panose="05000000000000000000" pitchFamily="2" charset="2"/>
+              <a:buChar char="§"/>
+            </a:pPr>
+            <a:r>
+              <a:rPr lang="pl-PL" dirty="0"/>
+              <a:t>Prosty w konfiguracji</a:t>
+            </a:r>
+          </a:p>
+          <a:p>
+            <a:pPr>
+              <a:buFont typeface="Wingdings" panose="05000000000000000000" pitchFamily="2" charset="2"/>
+              <a:buChar char="§"/>
+            </a:pPr>
+            <a:r>
+              <a:rPr lang="pl-PL" dirty="0"/>
+              <a:t>Zagrożony przez NSA</a:t>
+            </a:r>
+          </a:p>
+          <a:p>
+            <a:pPr>
+              <a:buFont typeface="Wingdings" panose="05000000000000000000" pitchFamily="2" charset="2"/>
+              <a:buChar char="§"/>
+            </a:pPr>
+            <a:r>
+              <a:rPr lang="pl-PL" dirty="0"/>
+              <a:t>Problematyczny przy restrykcyjnych zaporach sieciowych</a:t>
             </a:r>
           </a:p>
         </p:txBody>
       </p:sp>
       <p:sp>
         <p:nvSpPr>
-          <p:cNvPr id="13" name="Symbol zastępczy zawartości 12">
+          <p:cNvPr id="3" name="Symbol zastępczy tekstu 2">
             <a:extLst>
               <a:ext uri="{FF2B5EF4-FFF2-40B4-BE49-F238E27FC236}">
-                <a16:creationId xmlns:a16="http://schemas.microsoft.com/office/drawing/2014/main" id="{8AACA663-8720-4D1E-A065-C79800764103}"/>
+                <a16:creationId xmlns:a16="http://schemas.microsoft.com/office/drawing/2014/main" id="{CB41F09F-5032-4396-9E44-15F0B75E8745}"/>
               </a:ext>
             </a:extLst>
           </p:cNvPr>
@@ -7948,35 +9371,77 @@
             <a:spLocks noGrp="1"/>
           </p:cNvSpPr>
           <p:nvPr>
-            <p:ph sz="half" idx="1"/>
+            <p:ph type="body" idx="10"/>
           </p:nvPr>
         </p:nvSpPr>
-        <p:spPr>
-          <a:xfrm>
-            <a:off x="755575" y="1484784"/>
-            <a:ext cx="4464497" cy="2996952"/>
-          </a:xfrm>
-        </p:spPr>
+        <p:spPr/>
         <p:txBody>
           <a:bodyPr/>
           <a:lstStyle/>
           <a:p>
-            <a:pPr marL="0" indent="0">
-              <a:buNone/>
-            </a:pPr>
+            <a:endParaRPr lang="pl-PL"/>
+          </a:p>
+        </p:txBody>
+      </p:sp>
+      <p:sp>
+        <p:nvSpPr>
+          <p:cNvPr id="4" name="Symbol zastępczy tekstu 3">
+            <a:extLst>
+              <a:ext uri="{FF2B5EF4-FFF2-40B4-BE49-F238E27FC236}">
+                <a16:creationId xmlns:a16="http://schemas.microsoft.com/office/drawing/2014/main" id="{A9097546-FCFF-4B4A-8B80-8CE10394C707}"/>
+              </a:ext>
+            </a:extLst>
+          </p:cNvPr>
+          <p:cNvSpPr>
+            <a:spLocks noGrp="1"/>
+          </p:cNvSpPr>
+          <p:nvPr>
+            <p:ph type="body" idx="11"/>
+          </p:nvPr>
+        </p:nvSpPr>
+        <p:spPr/>
+        <p:txBody>
+          <a:bodyPr/>
+          <a:lstStyle/>
+          <a:p>
+            <a:r>
+              <a:rPr lang="pl-PL" dirty="0" err="1"/>
+              <a:t>Layer</a:t>
+            </a:r>
             <a:r>
               <a:rPr lang="pl-PL" dirty="0"/>
-              <a:t> … trzeba wyjaśnić, że to nie to samo.</a:t>
-            </a:r>
+              <a:t> 2 </a:t>
+            </a:r>
+            <a:r>
+              <a:rPr lang="pl-PL" dirty="0" err="1"/>
+              <a:t>Tunnel</a:t>
+            </a:r>
+            <a:r>
+              <a:rPr lang="pl-PL" dirty="0"/>
+              <a:t> </a:t>
+            </a:r>
+            <a:r>
+              <a:rPr lang="pl-PL" dirty="0" err="1"/>
+              <a:t>Protocol</a:t>
+            </a:r>
+            <a:r>
+              <a:rPr lang="pl-PL" dirty="0"/>
+              <a:t> / </a:t>
+            </a:r>
+            <a:r>
+              <a:rPr lang="pl-PL" dirty="0" err="1"/>
+              <a:t>IPsec</a:t>
+            </a:r>
+            <a:endParaRPr lang="pl-PL" dirty="0"/>
           </a:p>
         </p:txBody>
       </p:sp>
       <p:pic>
         <p:nvPicPr>
-          <p:cNvPr id="15" name="Obraz 14" descr="Obraz zawierający obiekt&#10;&#10;Opis wygenerowany przy wysokim poziomie pewności">
+          <p:cNvPr id="9" name="Obraz 8">
             <a:extLst>
               <a:ext uri="{FF2B5EF4-FFF2-40B4-BE49-F238E27FC236}">
-                <a16:creationId xmlns:a16="http://schemas.microsoft.com/office/drawing/2014/main" id="{B37102B1-9781-4C1C-8254-6AEE4147702B}"/>
+                <a16:creationId xmlns:a16="http://schemas.microsoft.com/office/drawing/2014/main" id="{D7E5E7C6-F550-44DF-8141-C244884A748A}"/>
               </a:ext>
             </a:extLst>
           </p:cNvPr>
@@ -7986,7 +9451,7 @@
           <p:nvPr/>
         </p:nvPicPr>
         <p:blipFill>
-          <a:blip r:embed="rId2">
+          <a:blip r:embed="rId3">
             <a:extLst>
               <a:ext uri="{28A0092B-C50C-407E-A947-70E740481C1C}">
                 <a14:useLocalDpi xmlns:a14="http://schemas.microsoft.com/office/drawing/2010/main" val="0"/>
@@ -7999,231 +9464,18 @@
         </p:blipFill>
         <p:spPr>
           <a:xfrm>
-            <a:off x="5220072" y="1484784"/>
-            <a:ext cx="3346569" cy="2996952"/>
+            <a:off x="1396427" y="5419303"/>
+            <a:ext cx="7003018" cy="1322065"/>
           </a:xfrm>
           <a:prstGeom prst="rect">
             <a:avLst/>
           </a:prstGeom>
         </p:spPr>
       </p:pic>
-      <p:sp>
-        <p:nvSpPr>
-          <p:cNvPr id="16" name="Symbol zastępczy zawartości 12">
-            <a:extLst>
-              <a:ext uri="{FF2B5EF4-FFF2-40B4-BE49-F238E27FC236}">
-                <a16:creationId xmlns:a16="http://schemas.microsoft.com/office/drawing/2014/main" id="{61816CA0-BFEC-4076-AE06-E97F5C9CAE02}"/>
-              </a:ext>
-            </a:extLst>
-          </p:cNvPr>
-          <p:cNvSpPr txBox="1">
-            <a:spLocks/>
-          </p:cNvSpPr>
-          <p:nvPr/>
-        </p:nvSpPr>
-        <p:spPr bwMode="auto">
-          <a:xfrm>
-            <a:off x="755575" y="4481736"/>
-            <a:ext cx="7811066" cy="2259632"/>
-          </a:xfrm>
-          <a:prstGeom prst="rect">
-            <a:avLst/>
-          </a:prstGeom>
-          <a:noFill/>
-          <a:ln>
-            <a:noFill/>
-          </a:ln>
-          <a:effectLst/>
-          <a:extLst>
-            <a:ext uri="{909E8E84-426E-40DD-AFC4-6F175D3DCCD1}">
-              <a14:hiddenFill xmlns:a14="http://schemas.microsoft.com/office/drawing/2010/main">
-                <a:solidFill>
-                  <a:schemeClr val="accent1"/>
-                </a:solidFill>
-              </a14:hiddenFill>
-            </a:ext>
-            <a:ext uri="{91240B29-F687-4F45-9708-019B960494DF}">
-              <a14:hiddenLine xmlns:a14="http://schemas.microsoft.com/office/drawing/2010/main" w="9525">
-                <a:solidFill>
-                  <a:schemeClr val="tx1"/>
-                </a:solidFill>
-                <a:miter lim="800000"/>
-                <a:headEnd/>
-                <a:tailEnd/>
-              </a14:hiddenLine>
-            </a:ext>
-            <a:ext uri="{AF507438-7753-43E0-B8FC-AC1667EBCBE1}">
-              <a14:hiddenEffects xmlns:a14="http://schemas.microsoft.com/office/drawing/2010/main">
-                <a:effectLst>
-                  <a:outerShdw dist="35921" dir="2700000" algn="ctr" rotWithShape="0">
-                    <a:schemeClr val="bg2"/>
-                  </a:outerShdw>
-                </a:effectLst>
-              </a14:hiddenEffects>
-            </a:ext>
-          </a:extLst>
-        </p:spPr>
-        <p:txBody>
-          <a:bodyPr vert="horz" wrap="square" lIns="0" tIns="45720" rIns="0" bIns="45720" numCol="1" anchor="t" anchorCtr="0" compatLnSpc="1">
-            <a:prstTxWarp prst="textNoShape">
-              <a:avLst/>
-            </a:prstTxWarp>
-          </a:bodyPr>
-          <a:lstStyle>
-            <a:lvl1pPr marL="342900" indent="-342900" algn="l" rtl="0" eaLnBrk="1" fontAlgn="base" hangingPunct="1">
-              <a:spcBef>
-                <a:spcPct val="20000"/>
-              </a:spcBef>
-              <a:spcAft>
-                <a:spcPct val="0"/>
-              </a:spcAft>
-              <a:buChar char="•"/>
-              <a:defRPr sz="2800">
-                <a:solidFill>
-                  <a:schemeClr val="tx1"/>
-                </a:solidFill>
-                <a:latin typeface="Calibri" panose="020F0502020204030204" pitchFamily="34" charset="0"/>
-                <a:ea typeface="+mn-ea"/>
-                <a:cs typeface="+mn-cs"/>
-              </a:defRPr>
-            </a:lvl1pPr>
-            <a:lvl2pPr marL="742950" indent="-285750" algn="l" rtl="0" eaLnBrk="1" fontAlgn="base" hangingPunct="1">
-              <a:spcBef>
-                <a:spcPct val="20000"/>
-              </a:spcBef>
-              <a:spcAft>
-                <a:spcPct val="0"/>
-              </a:spcAft>
-              <a:buChar char="–"/>
-              <a:defRPr sz="2400">
-                <a:solidFill>
-                  <a:schemeClr val="tx1"/>
-                </a:solidFill>
-                <a:latin typeface="Calibri" panose="020F0502020204030204" pitchFamily="34" charset="0"/>
-              </a:defRPr>
-            </a:lvl2pPr>
-            <a:lvl3pPr marL="1143000" indent="-228600" algn="l" rtl="0" eaLnBrk="1" fontAlgn="base" hangingPunct="1">
-              <a:spcBef>
-                <a:spcPct val="20000"/>
-              </a:spcBef>
-              <a:spcAft>
-                <a:spcPct val="0"/>
-              </a:spcAft>
-              <a:buChar char="•"/>
-              <a:defRPr sz="2000">
-                <a:solidFill>
-                  <a:schemeClr val="tx1"/>
-                </a:solidFill>
-                <a:latin typeface="Calibri" panose="020F0502020204030204" pitchFamily="34" charset="0"/>
-              </a:defRPr>
-            </a:lvl3pPr>
-            <a:lvl4pPr marL="1600200" indent="-228600" algn="l" rtl="0" eaLnBrk="1" fontAlgn="base" hangingPunct="1">
-              <a:spcBef>
-                <a:spcPct val="20000"/>
-              </a:spcBef>
-              <a:spcAft>
-                <a:spcPct val="0"/>
-              </a:spcAft>
-              <a:buChar char="–"/>
-              <a:defRPr sz="1800">
-                <a:solidFill>
-                  <a:schemeClr val="tx1"/>
-                </a:solidFill>
-                <a:latin typeface="Calibri" panose="020F0502020204030204" pitchFamily="34" charset="0"/>
-              </a:defRPr>
-            </a:lvl4pPr>
-            <a:lvl5pPr marL="2057400" indent="-228600" algn="l" rtl="0" eaLnBrk="1" fontAlgn="base" hangingPunct="1">
-              <a:spcBef>
-                <a:spcPct val="20000"/>
-              </a:spcBef>
-              <a:spcAft>
-                <a:spcPct val="0"/>
-              </a:spcAft>
-              <a:buChar char="»"/>
-              <a:defRPr sz="1800">
-                <a:solidFill>
-                  <a:schemeClr val="tx1"/>
-                </a:solidFill>
-                <a:latin typeface="Calibri" panose="020F0502020204030204" pitchFamily="34" charset="0"/>
-              </a:defRPr>
-            </a:lvl5pPr>
-            <a:lvl6pPr marL="2514600" indent="-228600" algn="l" rtl="0" eaLnBrk="1" fontAlgn="base" hangingPunct="1">
-              <a:spcBef>
-                <a:spcPct val="20000"/>
-              </a:spcBef>
-              <a:spcAft>
-                <a:spcPct val="0"/>
-              </a:spcAft>
-              <a:buChar char="»"/>
-              <a:defRPr sz="1800">
-                <a:solidFill>
-                  <a:schemeClr val="tx1"/>
-                </a:solidFill>
-                <a:latin typeface="+mn-lt"/>
-              </a:defRPr>
-            </a:lvl6pPr>
-            <a:lvl7pPr marL="2971800" indent="-228600" algn="l" rtl="0" eaLnBrk="1" fontAlgn="base" hangingPunct="1">
-              <a:spcBef>
-                <a:spcPct val="20000"/>
-              </a:spcBef>
-              <a:spcAft>
-                <a:spcPct val="0"/>
-              </a:spcAft>
-              <a:buChar char="»"/>
-              <a:defRPr sz="1800">
-                <a:solidFill>
-                  <a:schemeClr val="tx1"/>
-                </a:solidFill>
-                <a:latin typeface="+mn-lt"/>
-              </a:defRPr>
-            </a:lvl7pPr>
-            <a:lvl8pPr marL="3429000" indent="-228600" algn="l" rtl="0" eaLnBrk="1" fontAlgn="base" hangingPunct="1">
-              <a:spcBef>
-                <a:spcPct val="20000"/>
-              </a:spcBef>
-              <a:spcAft>
-                <a:spcPct val="0"/>
-              </a:spcAft>
-              <a:buChar char="»"/>
-              <a:defRPr sz="1800">
-                <a:solidFill>
-                  <a:schemeClr val="tx1"/>
-                </a:solidFill>
-                <a:latin typeface="+mn-lt"/>
-              </a:defRPr>
-            </a:lvl8pPr>
-            <a:lvl9pPr marL="3886200" indent="-228600" algn="l" rtl="0" eaLnBrk="1" fontAlgn="base" hangingPunct="1">
-              <a:spcBef>
-                <a:spcPct val="20000"/>
-              </a:spcBef>
-              <a:spcAft>
-                <a:spcPct val="0"/>
-              </a:spcAft>
-              <a:buChar char="»"/>
-              <a:defRPr sz="1800">
-                <a:solidFill>
-                  <a:schemeClr val="tx1"/>
-                </a:solidFill>
-                <a:latin typeface="+mn-lt"/>
-              </a:defRPr>
-            </a:lvl9pPr>
-          </a:lstStyle>
-          <a:p>
-            <a:pPr marL="0" indent="0">
-              <a:buFontTx/>
-              <a:buNone/>
-            </a:pPr>
-            <a:r>
-              <a:rPr lang="pl-PL" kern="0" dirty="0"/>
-              <a:t>Bo to nie jest to samo.</a:t>
-            </a:r>
-          </a:p>
-        </p:txBody>
-      </p:sp>
     </p:spTree>
     <p:extLst>
       <p:ext uri="{BB962C8B-B14F-4D97-AF65-F5344CB8AC3E}">
-        <p14:creationId xmlns:p14="http://schemas.microsoft.com/office/powerpoint/2010/main" val="2189758906"/>
+        <p14:creationId xmlns:p14="http://schemas.microsoft.com/office/powerpoint/2010/main" val="2498626918"/>
       </p:ext>
     </p:extLst>
   </p:cSld>
@@ -8255,10 +9507,10 @@
       </p:grpSpPr>
       <p:sp>
         <p:nvSpPr>
-          <p:cNvPr id="7" name="Symbol zastępczy zawartości 6">
+          <p:cNvPr id="2" name="Symbol zastępczy zawartości 1">
             <a:extLst>
               <a:ext uri="{FF2B5EF4-FFF2-40B4-BE49-F238E27FC236}">
-                <a16:creationId xmlns:a16="http://schemas.microsoft.com/office/drawing/2014/main" id="{46486BF5-BE59-4EAB-98F7-C7E5BF312FE6}"/>
+                <a16:creationId xmlns:a16="http://schemas.microsoft.com/office/drawing/2014/main" id="{FED18FEF-6B68-4F09-A8CC-01B035EEC43B}"/>
               </a:ext>
             </a:extLst>
           </p:cNvPr>
@@ -8267,6 +9519,88 @@
           </p:cNvSpPr>
           <p:nvPr>
             <p:ph sz="half" idx="1"/>
+          </p:nvPr>
+        </p:nvSpPr>
+        <p:spPr>
+          <a:xfrm>
+            <a:off x="755575" y="1556792"/>
+            <a:ext cx="4320481" cy="5256584"/>
+          </a:xfrm>
+        </p:spPr>
+        <p:txBody>
+          <a:bodyPr/>
+          <a:lstStyle/>
+          <a:p>
+            <a:pPr>
+              <a:buFont typeface="Wingdings" panose="05000000000000000000" pitchFamily="2" charset="2"/>
+              <a:buChar char="§"/>
+            </a:pPr>
+            <a:r>
+              <a:rPr lang="pl-PL" dirty="0"/>
+              <a:t>Technologia open </a:t>
+            </a:r>
+            <a:r>
+              <a:rPr lang="pl-PL" dirty="0" err="1"/>
+              <a:t>source</a:t>
+            </a:r>
+            <a:endParaRPr lang="pl-PL" dirty="0"/>
+          </a:p>
+          <a:p>
+            <a:pPr>
+              <a:buFont typeface="Wingdings" panose="05000000000000000000" pitchFamily="2" charset="2"/>
+              <a:buChar char="§"/>
+            </a:pPr>
+            <a:r>
+              <a:rPr lang="pl-PL" dirty="0"/>
+              <a:t>Bardzo bezpieczny</a:t>
+            </a:r>
+          </a:p>
+          <a:p>
+            <a:pPr>
+              <a:buFont typeface="Wingdings" panose="05000000000000000000" pitchFamily="2" charset="2"/>
+              <a:buChar char="§"/>
+            </a:pPr>
+            <a:r>
+              <a:rPr lang="pl-PL" dirty="0"/>
+              <a:t>Wysoce konfigurowalny</a:t>
+            </a:r>
+          </a:p>
+          <a:p>
+            <a:pPr>
+              <a:buFont typeface="Wingdings" panose="05000000000000000000" pitchFamily="2" charset="2"/>
+              <a:buChar char="§"/>
+            </a:pPr>
+            <a:r>
+              <a:rPr lang="pl-PL" dirty="0"/>
+              <a:t>Trudny w konfiguracji dla początkujących</a:t>
+            </a:r>
+          </a:p>
+          <a:p>
+            <a:pPr>
+              <a:buFont typeface="Wingdings" panose="05000000000000000000" pitchFamily="2" charset="2"/>
+              <a:buChar char="§"/>
+            </a:pPr>
+            <a:r>
+              <a:rPr lang="pl-PL" dirty="0"/>
+              <a:t>Wymaga popraw</a:t>
+            </a:r>
+          </a:p>
+        </p:txBody>
+      </p:sp>
+      <p:sp>
+        <p:nvSpPr>
+          <p:cNvPr id="3" name="Symbol zastępczy tekstu 2">
+            <a:extLst>
+              <a:ext uri="{FF2B5EF4-FFF2-40B4-BE49-F238E27FC236}">
+                <a16:creationId xmlns:a16="http://schemas.microsoft.com/office/drawing/2014/main" id="{B640C7C3-7C63-4D69-A2A7-C2374986DC41}"/>
+              </a:ext>
+            </a:extLst>
+          </p:cNvPr>
+          <p:cNvSpPr>
+            <a:spLocks noGrp="1"/>
+          </p:cNvSpPr>
+          <p:nvPr>
+            <p:ph type="body" idx="10"/>
           </p:nvPr>
         </p:nvSpPr>
         <p:spPr/>
@@ -8274,31 +9608,16 @@
           <a:bodyPr/>
           <a:lstStyle/>
           <a:p>
-            <a:pPr marL="0" indent="0">
-              <a:buNone/>
-            </a:pPr>
-            <a:r>
-              <a:rPr lang="pl-PL" dirty="0"/>
-              <a:t>[1] VPN Mentor [online] [dostęp: 16.12.2017], dostępny w Internecie: https://pl.vpnmentor.com/</a:t>
-            </a:r>
-          </a:p>
-          <a:p>
-            <a:pPr marL="0" indent="0">
-              <a:buNone/>
-            </a:pPr>
-            <a:r>
-              <a:rPr lang="pl-PL" dirty="0"/>
-              <a:t>[2]Microsoft TechNet [online] [dostęp: 17.12.2017], dostępny w Internecie: https://technet.microsoft.com/</a:t>
-            </a:r>
+            <a:endParaRPr lang="pl-PL"/>
           </a:p>
         </p:txBody>
       </p:sp>
       <p:sp>
         <p:nvSpPr>
-          <p:cNvPr id="8" name="Symbol zastępczy tekstu 7">
+          <p:cNvPr id="4" name="Symbol zastępczy tekstu 3">
             <a:extLst>
               <a:ext uri="{FF2B5EF4-FFF2-40B4-BE49-F238E27FC236}">
-                <a16:creationId xmlns:a16="http://schemas.microsoft.com/office/drawing/2014/main" id="{7C29B93D-9650-4B6F-83BB-4D7BE4E362E8}"/>
+                <a16:creationId xmlns:a16="http://schemas.microsoft.com/office/drawing/2014/main" id="{50273D7F-EC96-41A7-8AFD-9E91343F2C64}"/>
               </a:ext>
             </a:extLst>
           </p:cNvPr>
@@ -8306,7 +9625,7 @@
             <a:spLocks noGrp="1"/>
           </p:cNvSpPr>
           <p:nvPr>
-            <p:ph type="body" idx="10"/>
+            <p:ph type="body" idx="11"/>
           </p:nvPr>
         </p:nvSpPr>
         <p:spPr/>
@@ -8314,42 +9633,18 @@
           <a:bodyPr/>
           <a:lstStyle/>
           <a:p>
-            <a:endParaRPr lang="pl-PL"/>
-          </a:p>
-        </p:txBody>
-      </p:sp>
-      <p:sp>
-        <p:nvSpPr>
-          <p:cNvPr id="9" name="Symbol zastępczy tekstu 8">
-            <a:extLst>
-              <a:ext uri="{FF2B5EF4-FFF2-40B4-BE49-F238E27FC236}">
-                <a16:creationId xmlns:a16="http://schemas.microsoft.com/office/drawing/2014/main" id="{60A5B928-E900-415C-9617-53A95C19E4EE}"/>
-              </a:ext>
-            </a:extLst>
-          </p:cNvPr>
-          <p:cNvSpPr>
-            <a:spLocks noGrp="1"/>
-          </p:cNvSpPr>
-          <p:nvPr>
-            <p:ph type="body" idx="11"/>
-          </p:nvPr>
-        </p:nvSpPr>
-        <p:spPr/>
-        <p:txBody>
-          <a:bodyPr/>
-          <a:lstStyle/>
-          <a:p>
-            <a:r>
-              <a:rPr lang="pl-PL" dirty="0"/>
-              <a:t>Bibliografia</a:t>
-            </a:r>
+            <a:r>
+              <a:rPr lang="pl-PL" dirty="0" err="1"/>
+              <a:t>OpenVPN</a:t>
+            </a:r>
+            <a:endParaRPr lang="pl-PL" dirty="0"/>
           </a:p>
         </p:txBody>
       </p:sp>
     </p:spTree>
     <p:extLst>
       <p:ext uri="{BB962C8B-B14F-4D97-AF65-F5344CB8AC3E}">
-        <p14:creationId xmlns:p14="http://schemas.microsoft.com/office/powerpoint/2010/main" val="530569695"/>
+        <p14:creationId xmlns:p14="http://schemas.microsoft.com/office/powerpoint/2010/main" val="1318791941"/>
       </p:ext>
     </p:extLst>
   </p:cSld>
